--- a/figure draft-12-8.pptx
+++ b/figure draft-12-8.pptx
@@ -257,7 +257,7 @@
           <a:p>
             <a:fld id="{4979FE32-7E81-4B13-9765-93D565E07B33}" type="datetimeFigureOut">
               <a:rPr lang="en-US" smtClean="0"/>
-              <a:t>1/7/2022</a:t>
+              <a:t>1/26/2022</a:t>
             </a:fld>
             <a:endParaRPr lang="en-US"/>
           </a:p>
@@ -427,7 +427,7 @@
           <a:p>
             <a:fld id="{4979FE32-7E81-4B13-9765-93D565E07B33}" type="datetimeFigureOut">
               <a:rPr lang="en-US" smtClean="0"/>
-              <a:t>1/7/2022</a:t>
+              <a:t>1/26/2022</a:t>
             </a:fld>
             <a:endParaRPr lang="en-US"/>
           </a:p>
@@ -607,7 +607,7 @@
           <a:p>
             <a:fld id="{4979FE32-7E81-4B13-9765-93D565E07B33}" type="datetimeFigureOut">
               <a:rPr lang="en-US" smtClean="0"/>
-              <a:t>1/7/2022</a:t>
+              <a:t>1/26/2022</a:t>
             </a:fld>
             <a:endParaRPr lang="en-US"/>
           </a:p>
@@ -777,7 +777,7 @@
           <a:p>
             <a:fld id="{4979FE32-7E81-4B13-9765-93D565E07B33}" type="datetimeFigureOut">
               <a:rPr lang="en-US" smtClean="0"/>
-              <a:t>1/7/2022</a:t>
+              <a:t>1/26/2022</a:t>
             </a:fld>
             <a:endParaRPr lang="en-US"/>
           </a:p>
@@ -1021,7 +1021,7 @@
           <a:p>
             <a:fld id="{4979FE32-7E81-4B13-9765-93D565E07B33}" type="datetimeFigureOut">
               <a:rPr lang="en-US" smtClean="0"/>
-              <a:t>1/7/2022</a:t>
+              <a:t>1/26/2022</a:t>
             </a:fld>
             <a:endParaRPr lang="en-US"/>
           </a:p>
@@ -1253,7 +1253,7 @@
           <a:p>
             <a:fld id="{4979FE32-7E81-4B13-9765-93D565E07B33}" type="datetimeFigureOut">
               <a:rPr lang="en-US" smtClean="0"/>
-              <a:t>1/7/2022</a:t>
+              <a:t>1/26/2022</a:t>
             </a:fld>
             <a:endParaRPr lang="en-US"/>
           </a:p>
@@ -1620,7 +1620,7 @@
           <a:p>
             <a:fld id="{4979FE32-7E81-4B13-9765-93D565E07B33}" type="datetimeFigureOut">
               <a:rPr lang="en-US" smtClean="0"/>
-              <a:t>1/7/2022</a:t>
+              <a:t>1/26/2022</a:t>
             </a:fld>
             <a:endParaRPr lang="en-US"/>
           </a:p>
@@ -1738,7 +1738,7 @@
           <a:p>
             <a:fld id="{4979FE32-7E81-4B13-9765-93D565E07B33}" type="datetimeFigureOut">
               <a:rPr lang="en-US" smtClean="0"/>
-              <a:t>1/7/2022</a:t>
+              <a:t>1/26/2022</a:t>
             </a:fld>
             <a:endParaRPr lang="en-US"/>
           </a:p>
@@ -1833,7 +1833,7 @@
           <a:p>
             <a:fld id="{4979FE32-7E81-4B13-9765-93D565E07B33}" type="datetimeFigureOut">
               <a:rPr lang="en-US" smtClean="0"/>
-              <a:t>1/7/2022</a:t>
+              <a:t>1/26/2022</a:t>
             </a:fld>
             <a:endParaRPr lang="en-US"/>
           </a:p>
@@ -2110,7 +2110,7 @@
           <a:p>
             <a:fld id="{4979FE32-7E81-4B13-9765-93D565E07B33}" type="datetimeFigureOut">
               <a:rPr lang="en-US" smtClean="0"/>
-              <a:t>1/7/2022</a:t>
+              <a:t>1/26/2022</a:t>
             </a:fld>
             <a:endParaRPr lang="en-US"/>
           </a:p>
@@ -2367,7 +2367,7 @@
           <a:p>
             <a:fld id="{4979FE32-7E81-4B13-9765-93D565E07B33}" type="datetimeFigureOut">
               <a:rPr lang="en-US" smtClean="0"/>
-              <a:t>1/7/2022</a:t>
+              <a:t>1/26/2022</a:t>
             </a:fld>
             <a:endParaRPr lang="en-US"/>
           </a:p>
@@ -2580,7 +2580,7 @@
           <a:p>
             <a:fld id="{4979FE32-7E81-4B13-9765-93D565E07B33}" type="datetimeFigureOut">
               <a:rPr lang="en-US" smtClean="0"/>
-              <a:t>1/7/2022</a:t>
+              <a:t>1/26/2022</a:t>
             </a:fld>
             <a:endParaRPr lang="en-US"/>
           </a:p>
@@ -2987,7 +2987,7 @@
       </p:grpSpPr>
       <p:pic>
         <p:nvPicPr>
-          <p:cNvPr id="6" name="Picture 5"/>
+          <p:cNvPr id="2" name="Picture 1"/>
           <p:cNvPicPr>
             <a:picLocks noChangeAspect="1"/>
           </p:cNvPicPr>
@@ -3007,7 +3007,7 @@
         </p:blipFill>
         <p:spPr>
           <a:xfrm>
-            <a:off x="3603941" y="4552406"/>
+            <a:off x="3552441" y="4559438"/>
             <a:ext cx="1645920" cy="2194560"/>
           </a:xfrm>
           <a:prstGeom prst="rect">
@@ -3017,14 +3017,14 @@
       </p:pic>
       <p:pic>
         <p:nvPicPr>
-          <p:cNvPr id="3" name="Picture 2"/>
+          <p:cNvPr id="11" name="Picture 10"/>
           <p:cNvPicPr>
             <a:picLocks noChangeAspect="1"/>
           </p:cNvPicPr>
           <p:nvPr/>
         </p:nvPicPr>
         <p:blipFill>
-          <a:blip r:embed="rId3" cstate="print">
+          <a:blip r:embed="rId3">
             <a:extLst>
               <a:ext uri="{28A0092B-C50C-407E-A947-70E740481C1C}">
                 <a14:useLocalDpi xmlns:a14="http://schemas.microsoft.com/office/drawing/2010/main" val="0"/>
@@ -3037,8 +3037,8 @@
         </p:blipFill>
         <p:spPr>
           <a:xfrm>
-            <a:off x="2334089" y="1743944"/>
-            <a:ext cx="2743200" cy="2194560"/>
+            <a:off x="187445" y="1383629"/>
+            <a:ext cx="2087880" cy="2194560"/>
           </a:xfrm>
           <a:prstGeom prst="rect">
             <a:avLst/>
@@ -3047,72 +3047,14 @@
       </p:pic>
       <p:pic>
         <p:nvPicPr>
-          <p:cNvPr id="54" name="Picture 53"/>
+          <p:cNvPr id="3" name="Picture 2"/>
           <p:cNvPicPr>
             <a:picLocks noChangeAspect="1"/>
           </p:cNvPicPr>
           <p:nvPr/>
         </p:nvPicPr>
-        <p:blipFill rotWithShape="1">
+        <p:blipFill>
           <a:blip r:embed="rId4" cstate="print">
-            <a:extLst>
-              <a:ext uri="{28A0092B-C50C-407E-A947-70E740481C1C}">
-                <a14:useLocalDpi xmlns:a14="http://schemas.microsoft.com/office/drawing/2010/main" val="0"/>
-              </a:ext>
-            </a:extLst>
-          </a:blip>
-          <a:srcRect l="10119" t="7500" r="7857" b="9881"/>
-          <a:stretch/>
-        </p:blipFill>
-        <p:spPr>
-          <a:xfrm>
-            <a:off x="5547396" y="5619890"/>
-            <a:ext cx="1089375" cy="1097280"/>
-          </a:xfrm>
-          <a:prstGeom prst="rect">
-            <a:avLst/>
-          </a:prstGeom>
-        </p:spPr>
-      </p:pic>
-      <p:pic>
-        <p:nvPicPr>
-          <p:cNvPr id="53" name="Picture 52"/>
-          <p:cNvPicPr>
-            <a:picLocks noChangeAspect="1"/>
-          </p:cNvPicPr>
-          <p:nvPr/>
-        </p:nvPicPr>
-        <p:blipFill rotWithShape="1">
-          <a:blip r:embed="rId5" cstate="print">
-            <a:extLst>
-              <a:ext uri="{28A0092B-C50C-407E-A947-70E740481C1C}">
-                <a14:useLocalDpi xmlns:a14="http://schemas.microsoft.com/office/drawing/2010/main" val="0"/>
-              </a:ext>
-            </a:extLst>
-          </a:blip>
-          <a:srcRect l="10034" t="7596" r="7652" b="10318"/>
-          <a:stretch/>
-        </p:blipFill>
-        <p:spPr>
-          <a:xfrm>
-            <a:off x="5547396" y="4357012"/>
-            <a:ext cx="1100311" cy="1097280"/>
-          </a:xfrm>
-          <a:prstGeom prst="rect">
-            <a:avLst/>
-          </a:prstGeom>
-        </p:spPr>
-      </p:pic>
-      <p:pic>
-        <p:nvPicPr>
-          <p:cNvPr id="51" name="Picture 50"/>
-          <p:cNvPicPr>
-            <a:picLocks noChangeAspect="1"/>
-          </p:cNvPicPr>
-          <p:nvPr/>
-        </p:nvPicPr>
-        <p:blipFill>
-          <a:blip r:embed="rId6" cstate="print">
             <a:extLst>
               <a:ext uri="{28A0092B-C50C-407E-A947-70E740481C1C}">
                 <a14:useLocalDpi xmlns:a14="http://schemas.microsoft.com/office/drawing/2010/main" val="0"/>
@@ -3125,8 +3067,8 @@
         </p:blipFill>
         <p:spPr>
           <a:xfrm>
-            <a:off x="1906521" y="4553381"/>
-            <a:ext cx="1645920" cy="2194560"/>
+            <a:off x="2334089" y="1743944"/>
+            <a:ext cx="2743200" cy="2194560"/>
           </a:xfrm>
           <a:prstGeom prst="rect">
             <a:avLst/>
@@ -3135,7 +3077,65 @@
       </p:pic>
       <p:pic>
         <p:nvPicPr>
-          <p:cNvPr id="50" name="Picture 49"/>
+          <p:cNvPr id="54" name="Picture 53"/>
+          <p:cNvPicPr>
+            <a:picLocks noChangeAspect="1"/>
+          </p:cNvPicPr>
+          <p:nvPr/>
+        </p:nvPicPr>
+        <p:blipFill rotWithShape="1">
+          <a:blip r:embed="rId5" cstate="print">
+            <a:extLst>
+              <a:ext uri="{28A0092B-C50C-407E-A947-70E740481C1C}">
+                <a14:useLocalDpi xmlns:a14="http://schemas.microsoft.com/office/drawing/2010/main" val="0"/>
+              </a:ext>
+            </a:extLst>
+          </a:blip>
+          <a:srcRect l="10119" t="7500" r="7857" b="9881"/>
+          <a:stretch/>
+        </p:blipFill>
+        <p:spPr>
+          <a:xfrm>
+            <a:off x="5547396" y="5619890"/>
+            <a:ext cx="1089375" cy="1097280"/>
+          </a:xfrm>
+          <a:prstGeom prst="rect">
+            <a:avLst/>
+          </a:prstGeom>
+        </p:spPr>
+      </p:pic>
+      <p:pic>
+        <p:nvPicPr>
+          <p:cNvPr id="53" name="Picture 52"/>
+          <p:cNvPicPr>
+            <a:picLocks noChangeAspect="1"/>
+          </p:cNvPicPr>
+          <p:nvPr/>
+        </p:nvPicPr>
+        <p:blipFill rotWithShape="1">
+          <a:blip r:embed="rId6" cstate="print">
+            <a:extLst>
+              <a:ext uri="{28A0092B-C50C-407E-A947-70E740481C1C}">
+                <a14:useLocalDpi xmlns:a14="http://schemas.microsoft.com/office/drawing/2010/main" val="0"/>
+              </a:ext>
+            </a:extLst>
+          </a:blip>
+          <a:srcRect l="10034" t="7596" r="7652" b="10318"/>
+          <a:stretch/>
+        </p:blipFill>
+        <p:spPr>
+          <a:xfrm>
+            <a:off x="5547396" y="4357012"/>
+            <a:ext cx="1100311" cy="1097280"/>
+          </a:xfrm>
+          <a:prstGeom prst="rect">
+            <a:avLst/>
+          </a:prstGeom>
+        </p:spPr>
+      </p:pic>
+      <p:pic>
+        <p:nvPicPr>
+          <p:cNvPr id="51" name="Picture 50"/>
           <p:cNvPicPr>
             <a:picLocks noChangeAspect="1"/>
           </p:cNvPicPr>
@@ -3155,7 +3155,7 @@
         </p:blipFill>
         <p:spPr>
           <a:xfrm>
-            <a:off x="198689" y="4552406"/>
+            <a:off x="1906521" y="4553381"/>
             <a:ext cx="1645920" cy="2194560"/>
           </a:xfrm>
           <a:prstGeom prst="rect">
@@ -3165,7 +3165,7 @@
       </p:pic>
       <p:pic>
         <p:nvPicPr>
-          <p:cNvPr id="12" name="Picture 11"/>
+          <p:cNvPr id="50" name="Picture 49"/>
           <p:cNvPicPr>
             <a:picLocks noChangeAspect="1"/>
           </p:cNvPicPr>
@@ -3185,7 +3185,7 @@
         </p:blipFill>
         <p:spPr>
           <a:xfrm>
-            <a:off x="4947508" y="1734869"/>
+            <a:off x="198689" y="4552406"/>
             <a:ext cx="1645920" cy="2194560"/>
           </a:xfrm>
           <a:prstGeom prst="rect">
@@ -3193,52 +3193,16 @@
           </a:prstGeom>
         </p:spPr>
       </p:pic>
-      <p:sp>
-        <p:nvSpPr>
-          <p:cNvPr id="4" name="TextBox 3"/>
-          <p:cNvSpPr txBox="1"/>
-          <p:nvPr/>
-        </p:nvSpPr>
-        <p:spPr>
-          <a:xfrm>
-            <a:off x="1438701" y="606996"/>
-            <a:ext cx="4051109" cy="246221"/>
-          </a:xfrm>
-          <a:prstGeom prst="rect">
-            <a:avLst/>
-          </a:prstGeom>
-          <a:noFill/>
-        </p:spPr>
-        <p:txBody>
-          <a:bodyPr wrap="none" rtlCol="0">
-            <a:spAutoFit/>
-          </a:bodyPr>
-          <a:lstStyle/>
-          <a:p>
-            <a:r>
-              <a:rPr lang="en-US" sz="1000" b="1" dirty="0" smtClean="0">
-                <a:latin typeface="Arial" panose="020B0604020202020204" pitchFamily="34" charset="0"/>
-                <a:cs typeface="Arial" panose="020B0604020202020204" pitchFamily="34" charset="0"/>
-              </a:rPr>
-              <a:t>Fig. 1 Single W and single D is sufficient for functionality of AD.</a:t>
-            </a:r>
-            <a:endParaRPr lang="en-US" sz="1000" b="1" dirty="0">
-              <a:latin typeface="Arial" panose="020B0604020202020204" pitchFamily="34" charset="0"/>
-              <a:cs typeface="Arial" panose="020B0604020202020204" pitchFamily="34" charset="0"/>
-            </a:endParaRPr>
-          </a:p>
-        </p:txBody>
-      </p:sp>
       <p:pic>
         <p:nvPicPr>
-          <p:cNvPr id="5" name="Picture 4"/>
+          <p:cNvPr id="12" name="Picture 11"/>
           <p:cNvPicPr>
             <a:picLocks noChangeAspect="1"/>
           </p:cNvPicPr>
           <p:nvPr/>
         </p:nvPicPr>
         <p:blipFill>
-          <a:blip r:embed="rId9">
+          <a:blip r:embed="rId9" cstate="print">
             <a:extLst>
               <a:ext uri="{28A0092B-C50C-407E-A947-70E740481C1C}">
                 <a14:useLocalDpi xmlns:a14="http://schemas.microsoft.com/office/drawing/2010/main" val="0"/>
@@ -3251,14 +3215,50 @@
         </p:blipFill>
         <p:spPr>
           <a:xfrm>
-            <a:off x="293489" y="1409188"/>
-            <a:ext cx="2007687" cy="2194560"/>
+            <a:off x="4947508" y="1734869"/>
+            <a:ext cx="1645920" cy="2194560"/>
           </a:xfrm>
           <a:prstGeom prst="rect">
             <a:avLst/>
           </a:prstGeom>
         </p:spPr>
       </p:pic>
+      <p:sp>
+        <p:nvSpPr>
+          <p:cNvPr id="4" name="TextBox 3"/>
+          <p:cNvSpPr txBox="1"/>
+          <p:nvPr/>
+        </p:nvSpPr>
+        <p:spPr>
+          <a:xfrm>
+            <a:off x="1438701" y="606996"/>
+            <a:ext cx="4051109" cy="246221"/>
+          </a:xfrm>
+          <a:prstGeom prst="rect">
+            <a:avLst/>
+          </a:prstGeom>
+          <a:noFill/>
+        </p:spPr>
+        <p:txBody>
+          <a:bodyPr wrap="none" rtlCol="0">
+            <a:spAutoFit/>
+          </a:bodyPr>
+          <a:lstStyle/>
+          <a:p>
+            <a:r>
+              <a:rPr lang="en-US" sz="1000" b="1" dirty="0" smtClean="0">
+                <a:latin typeface="Arial" panose="020B0604020202020204" pitchFamily="34" charset="0"/>
+                <a:cs typeface="Arial" panose="020B0604020202020204" pitchFamily="34" charset="0"/>
+              </a:rPr>
+              <a:t>Fig. 1 Single W and single D is sufficient for functionality of AD.</a:t>
+            </a:r>
+            <a:endParaRPr lang="en-US" sz="1000" b="1" dirty="0">
+              <a:latin typeface="Arial" panose="020B0604020202020204" pitchFamily="34" charset="0"/>
+              <a:cs typeface="Arial" panose="020B0604020202020204" pitchFamily="34" charset="0"/>
+            </a:endParaRPr>
+          </a:p>
+        </p:txBody>
+      </p:sp>
       <p:sp>
         <p:nvSpPr>
           <p:cNvPr id="16" name="TextBox 15"/>
@@ -3756,7 +3756,7 @@
         <p:spPr>
           <a:xfrm>
             <a:off x="375427" y="6704421"/>
-            <a:ext cx="6177655" cy="1169551"/>
+            <a:ext cx="6177655" cy="1631216"/>
           </a:xfrm>
           <a:prstGeom prst="rect">
             <a:avLst/>
@@ -3838,6 +3838,62 @@
                 <a:cs typeface="Arial" panose="020B0604020202020204" pitchFamily="34" charset="0"/>
               </a:rPr>
               <a:t>representing alternative sequences. </a:t>
+            </a:r>
+            <a:r>
+              <a:rPr lang="en-US" sz="1000" b="1" dirty="0" smtClean="0">
+                <a:latin typeface="Arial" panose="020B0604020202020204" pitchFamily="34" charset="0"/>
+                <a:cs typeface="Arial" panose="020B0604020202020204" pitchFamily="34" charset="0"/>
+              </a:rPr>
+              <a:t>E</a:t>
+            </a:r>
+            <a:r>
+              <a:rPr lang="en-US" sz="1000" dirty="0" smtClean="0">
+                <a:latin typeface="Arial" panose="020B0604020202020204" pitchFamily="34" charset="0"/>
+                <a:cs typeface="Arial" panose="020B0604020202020204" pitchFamily="34" charset="0"/>
+              </a:rPr>
+              <a:t> – sequence tables are simplified to show only 1 W &amp; D and 5 W &amp; D. Sequences with 2 W &amp; D, 3 W &amp; D, and 4 W &amp; D fitting the same pattern of 0 to 9 </a:t>
+            </a:r>
+            <a:r>
+              <a:rPr lang="en-US" sz="1000" dirty="0" err="1" smtClean="0">
+                <a:latin typeface="Arial" panose="020B0604020202020204" pitchFamily="34" charset="0"/>
+                <a:cs typeface="Arial" panose="020B0604020202020204" pitchFamily="34" charset="0"/>
+              </a:rPr>
+              <a:t>glycines</a:t>
+            </a:r>
+            <a:r>
+              <a:rPr lang="en-US" sz="1000" dirty="0" smtClean="0">
+                <a:latin typeface="Arial" panose="020B0604020202020204" pitchFamily="34" charset="0"/>
+                <a:cs typeface="Arial" panose="020B0604020202020204" pitchFamily="34" charset="0"/>
+              </a:rPr>
+              <a:t> inserted between aromatic and acidic patches are represented in plot below. </a:t>
+            </a:r>
+            <a:r>
+              <a:rPr lang="en-US" sz="1000" b="1" dirty="0" smtClean="0">
+                <a:latin typeface="Arial" panose="020B0604020202020204" pitchFamily="34" charset="0"/>
+                <a:cs typeface="Arial" panose="020B0604020202020204" pitchFamily="34" charset="0"/>
+              </a:rPr>
+              <a:t>F</a:t>
+            </a:r>
+            <a:r>
+              <a:rPr lang="en-US" sz="1000" dirty="0" smtClean="0">
+                <a:latin typeface="Arial" panose="020B0604020202020204" pitchFamily="34" charset="0"/>
+                <a:cs typeface="Arial" panose="020B0604020202020204" pitchFamily="34" charset="0"/>
+              </a:rPr>
+              <a:t> – error bars accompany final sequence slopes. Error bars represent maximum and minimum growth slopes of the five </a:t>
+            </a:r>
+            <a:r>
+              <a:rPr lang="en-US" sz="1000" dirty="0" err="1" smtClean="0">
+                <a:latin typeface="Arial" panose="020B0604020202020204" pitchFamily="34" charset="0"/>
+                <a:cs typeface="Arial" panose="020B0604020202020204" pitchFamily="34" charset="0"/>
+              </a:rPr>
+              <a:t>bioreps</a:t>
+            </a:r>
+            <a:r>
+              <a:rPr lang="en-US" sz="1000" dirty="0" smtClean="0">
+                <a:latin typeface="Arial" panose="020B0604020202020204" pitchFamily="34" charset="0"/>
+                <a:cs typeface="Arial" panose="020B0604020202020204" pitchFamily="34" charset="0"/>
+              </a:rPr>
+              <a:t> associated with each sequence. </a:t>
             </a:r>
             <a:r>
               <a:rPr lang="en-US" sz="1000" b="1" dirty="0" smtClean="0">
@@ -4018,7 +4074,7 @@
         </p:blipFill>
         <p:spPr>
           <a:xfrm>
-            <a:off x="469807" y="3965583"/>
+            <a:off x="468141" y="3998614"/>
             <a:ext cx="1490472" cy="582813"/>
           </a:xfrm>
           <a:prstGeom prst="rect">
@@ -4033,178 +4089,22 @@
           </a:effectLst>
         </p:spPr>
       </p:pic>
-      <p:pic>
-        <p:nvPicPr>
-          <p:cNvPr id="38" name="Picture 37"/>
-          <p:cNvPicPr>
-            <a:picLocks noChangeAspect="1"/>
-          </p:cNvPicPr>
-          <p:nvPr/>
-        </p:nvPicPr>
-        <p:blipFill>
-          <a:blip r:embed="rId13" cstate="print">
-            <a:extLst>
-              <a:ext uri="{28A0092B-C50C-407E-A947-70E740481C1C}">
-                <a14:useLocalDpi xmlns:a14="http://schemas.microsoft.com/office/drawing/2010/main" val="0"/>
-              </a:ext>
-            </a:extLst>
-          </a:blip>
-          <a:stretch>
-            <a:fillRect/>
-          </a:stretch>
-        </p:blipFill>
-        <p:spPr>
-          <a:xfrm>
-            <a:off x="2162178" y="3970891"/>
-            <a:ext cx="1598950" cy="585216"/>
-          </a:xfrm>
-          <a:prstGeom prst="rect">
-            <a:avLst/>
-          </a:prstGeom>
-          <a:effectLst>
-            <a:outerShdw blurRad="50800" dist="38100" dir="2700000" algn="tl" rotWithShape="0">
-              <a:prstClr val="black">
-                <a:alpha val="40000"/>
-              </a:prstClr>
-            </a:outerShdw>
-          </a:effectLst>
-        </p:spPr>
-      </p:pic>
-      <p:pic>
-        <p:nvPicPr>
-          <p:cNvPr id="43" name="Picture 42"/>
-          <p:cNvPicPr>
-            <a:picLocks noChangeAspect="1"/>
-          </p:cNvPicPr>
-          <p:nvPr/>
-        </p:nvPicPr>
-        <p:blipFill>
-          <a:blip r:embed="rId14" cstate="print">
-            <a:extLst>
-              <a:ext uri="{28A0092B-C50C-407E-A947-70E740481C1C}">
-                <a14:useLocalDpi xmlns:a14="http://schemas.microsoft.com/office/drawing/2010/main" val="0"/>
-              </a:ext>
-            </a:extLst>
-          </a:blip>
-          <a:stretch>
-            <a:fillRect/>
-          </a:stretch>
-        </p:blipFill>
-        <p:spPr>
-          <a:xfrm>
-            <a:off x="3998406" y="3969981"/>
-            <a:ext cx="816102" cy="640080"/>
-          </a:xfrm>
-          <a:prstGeom prst="rect">
-            <a:avLst/>
-          </a:prstGeom>
-          <a:effectLst>
-            <a:outerShdw blurRad="50800" dist="38100" dir="2700000" algn="tl" rotWithShape="0">
-              <a:prstClr val="black">
-                <a:alpha val="40000"/>
-              </a:prstClr>
-            </a:outerShdw>
-          </a:effectLst>
-        </p:spPr>
-      </p:pic>
-      <p:pic>
-        <p:nvPicPr>
-          <p:cNvPr id="44" name="Picture 43"/>
-          <p:cNvPicPr>
-            <a:picLocks noChangeAspect="1"/>
-          </p:cNvPicPr>
-          <p:nvPr/>
-        </p:nvPicPr>
-        <p:blipFill>
-          <a:blip r:embed="rId15" cstate="print">
-            <a:extLst>
-              <a:ext uri="{28A0092B-C50C-407E-A947-70E740481C1C}">
-                <a14:useLocalDpi xmlns:a14="http://schemas.microsoft.com/office/drawing/2010/main" val="0"/>
-              </a:ext>
-            </a:extLst>
-          </a:blip>
-          <a:stretch>
-            <a:fillRect/>
-          </a:stretch>
-        </p:blipFill>
-        <p:spPr>
-          <a:xfrm>
-            <a:off x="2856122" y="4574257"/>
-            <a:ext cx="905006" cy="585216"/>
-          </a:xfrm>
-          <a:prstGeom prst="rect">
-            <a:avLst/>
-          </a:prstGeom>
-          <a:effectLst>
-            <a:outerShdw blurRad="50800" dist="38100" dir="2700000" algn="tl" rotWithShape="0">
-              <a:prstClr val="black">
-                <a:alpha val="40000"/>
-              </a:prstClr>
-            </a:outerShdw>
-          </a:effectLst>
-        </p:spPr>
-      </p:pic>
-      <p:sp>
-        <p:nvSpPr>
-          <p:cNvPr id="48" name="Arc 47"/>
+      <p:sp>
+        <p:nvSpPr>
+          <p:cNvPr id="57" name="Rectangle 56"/>
           <p:cNvSpPr/>
           <p:nvPr/>
         </p:nvSpPr>
         <p:spPr>
-          <a:xfrm rot="10604772">
-            <a:off x="2363332" y="4280833"/>
-            <a:ext cx="660237" cy="628391"/>
-          </a:xfrm>
-          <a:prstGeom prst="arc">
-            <a:avLst/>
-          </a:prstGeom>
-          <a:ln w="9525">
-            <a:solidFill>
-              <a:schemeClr val="tx1"/>
-            </a:solidFill>
-          </a:ln>
-        </p:spPr>
-        <p:style>
-          <a:lnRef idx="1">
-            <a:schemeClr val="accent1"/>
-          </a:lnRef>
-          <a:fillRef idx="0">
-            <a:schemeClr val="accent1"/>
-          </a:fillRef>
-          <a:effectRef idx="0">
-            <a:schemeClr val="accent1"/>
-          </a:effectRef>
-          <a:fontRef idx="minor">
-            <a:schemeClr val="tx1"/>
-          </a:fontRef>
-        </p:style>
-        <p:txBody>
-          <a:bodyPr rtlCol="0" anchor="ctr"/>
-          <a:lstStyle/>
-          <a:p>
-            <a:pPr algn="ctr"/>
-            <a:endParaRPr lang="en-US"/>
-          </a:p>
-        </p:txBody>
-      </p:sp>
-      <p:sp>
-        <p:nvSpPr>
-          <p:cNvPr id="49" name="Isosceles Triangle 48"/>
-          <p:cNvSpPr/>
-          <p:nvPr/>
-        </p:nvSpPr>
-        <p:spPr>
-          <a:xfrm rot="19920000">
-            <a:off x="2664267" y="4843891"/>
-            <a:ext cx="91440" cy="91440"/>
-          </a:xfrm>
-          <a:prstGeom prst="triangle">
-            <a:avLst/>
-          </a:prstGeom>
-          <a:solidFill>
-            <a:schemeClr val="tx1"/>
-          </a:solidFill>
-          <a:ln>
+          <a:xfrm>
+            <a:off x="178231" y="1100634"/>
+            <a:ext cx="2098444" cy="2806355"/>
+          </a:xfrm>
+          <a:prstGeom prst="rect">
+            <a:avLst/>
+          </a:prstGeom>
+          <a:noFill/>
+          <a:ln w="19050">
             <a:solidFill>
               <a:schemeClr val="tx1"/>
             </a:solidFill>
@@ -4237,14 +4137,14 @@
       </p:sp>
       <p:sp>
         <p:nvSpPr>
-          <p:cNvPr id="57" name="Rectangle 56"/>
+          <p:cNvPr id="58" name="Rectangle 57"/>
           <p:cNvSpPr/>
           <p:nvPr/>
         </p:nvSpPr>
         <p:spPr>
           <a:xfrm>
-            <a:off x="178231" y="1100634"/>
-            <a:ext cx="2098444" cy="2806355"/>
+            <a:off x="2317890" y="1100634"/>
+            <a:ext cx="4441050" cy="2807619"/>
           </a:xfrm>
           <a:prstGeom prst="rect">
             <a:avLst/>
@@ -4283,14 +4183,14 @@
       </p:sp>
       <p:sp>
         <p:nvSpPr>
-          <p:cNvPr id="58" name="Rectangle 57"/>
+          <p:cNvPr id="60" name="Rectangle 59"/>
           <p:cNvSpPr/>
           <p:nvPr/>
         </p:nvSpPr>
         <p:spPr>
           <a:xfrm>
-            <a:off x="2317890" y="1100634"/>
-            <a:ext cx="4441050" cy="2807619"/>
+            <a:off x="178231" y="3944686"/>
+            <a:ext cx="5131887" cy="2807619"/>
           </a:xfrm>
           <a:prstGeom prst="rect">
             <a:avLst/>
@@ -4329,14 +4229,14 @@
       </p:sp>
       <p:sp>
         <p:nvSpPr>
-          <p:cNvPr id="60" name="Rectangle 59"/>
+          <p:cNvPr id="61" name="Rectangle 60"/>
           <p:cNvSpPr/>
           <p:nvPr/>
         </p:nvSpPr>
         <p:spPr>
           <a:xfrm>
-            <a:off x="178231" y="3944686"/>
-            <a:ext cx="5131887" cy="2807619"/>
+            <a:off x="5352626" y="3945234"/>
+            <a:ext cx="1406314" cy="2807619"/>
           </a:xfrm>
           <a:prstGeom prst="rect">
             <a:avLst/>
@@ -4373,52 +4273,80 @@
           </a:p>
         </p:txBody>
       </p:sp>
-      <p:sp>
-        <p:nvSpPr>
-          <p:cNvPr id="61" name="Rectangle 60"/>
-          <p:cNvSpPr/>
-          <p:nvPr/>
-        </p:nvSpPr>
-        <p:spPr>
-          <a:xfrm>
-            <a:off x="5352626" y="3945234"/>
-            <a:ext cx="1406314" cy="2807619"/>
-          </a:xfrm>
-          <a:prstGeom prst="rect">
-            <a:avLst/>
-          </a:prstGeom>
-          <a:noFill/>
-          <a:ln w="19050">
-            <a:solidFill>
-              <a:schemeClr val="tx1"/>
-            </a:solidFill>
-          </a:ln>
-        </p:spPr>
-        <p:style>
-          <a:lnRef idx="2">
-            <a:schemeClr val="accent1">
-              <a:shade val="50000"/>
-            </a:schemeClr>
-          </a:lnRef>
-          <a:fillRef idx="1">
-            <a:schemeClr val="accent1"/>
-          </a:fillRef>
-          <a:effectRef idx="0">
-            <a:schemeClr val="accent1"/>
-          </a:effectRef>
-          <a:fontRef idx="minor">
-            <a:schemeClr val="lt1"/>
-          </a:fontRef>
-        </p:style>
-        <p:txBody>
-          <a:bodyPr rtlCol="0" anchor="ctr"/>
-          <a:lstStyle/>
-          <a:p>
-            <a:pPr algn="ctr"/>
-            <a:endParaRPr lang="en-US"/>
-          </a:p>
-        </p:txBody>
-      </p:sp>
+      <p:pic>
+        <p:nvPicPr>
+          <p:cNvPr id="13" name="Picture 12"/>
+          <p:cNvPicPr>
+            <a:picLocks noChangeAspect="1"/>
+          </p:cNvPicPr>
+          <p:nvPr/>
+        </p:nvPicPr>
+        <p:blipFill>
+          <a:blip r:embed="rId13" cstate="print">
+            <a:extLst>
+              <a:ext uri="{28A0092B-C50C-407E-A947-70E740481C1C}">
+                <a14:useLocalDpi xmlns:a14="http://schemas.microsoft.com/office/drawing/2010/main" val="0"/>
+              </a:ext>
+            </a:extLst>
+          </a:blip>
+          <a:stretch>
+            <a:fillRect/>
+          </a:stretch>
+        </p:blipFill>
+        <p:spPr>
+          <a:xfrm>
+            <a:off x="2181552" y="3997412"/>
+            <a:ext cx="1593915" cy="585216"/>
+          </a:xfrm>
+          <a:prstGeom prst="rect">
+            <a:avLst/>
+          </a:prstGeom>
+          <a:effectLst>
+            <a:outerShdw blurRad="50800" dist="38100" dir="2700000" algn="tl" rotWithShape="0">
+              <a:prstClr val="black">
+                <a:alpha val="40000"/>
+              </a:prstClr>
+            </a:outerShdw>
+          </a:effectLst>
+        </p:spPr>
+      </p:pic>
+      <p:pic>
+        <p:nvPicPr>
+          <p:cNvPr id="8" name="Picture 7"/>
+          <p:cNvPicPr>
+            <a:picLocks noChangeAspect="1"/>
+          </p:cNvPicPr>
+          <p:nvPr/>
+        </p:nvPicPr>
+        <p:blipFill>
+          <a:blip r:embed="rId14" cstate="print">
+            <a:extLst>
+              <a:ext uri="{28A0092B-C50C-407E-A947-70E740481C1C}">
+                <a14:useLocalDpi xmlns:a14="http://schemas.microsoft.com/office/drawing/2010/main" val="0"/>
+              </a:ext>
+            </a:extLst>
+          </a:blip>
+          <a:stretch>
+            <a:fillRect/>
+          </a:stretch>
+        </p:blipFill>
+        <p:spPr>
+          <a:xfrm>
+            <a:off x="4033758" y="4002292"/>
+            <a:ext cx="813480" cy="640080"/>
+          </a:xfrm>
+          <a:prstGeom prst="rect">
+            <a:avLst/>
+          </a:prstGeom>
+          <a:effectLst>
+            <a:outerShdw blurRad="50800" dist="38100" dir="2700000" algn="tl" rotWithShape="0">
+              <a:prstClr val="black">
+                <a:alpha val="40000"/>
+              </a:prstClr>
+            </a:outerShdw>
+          </a:effectLst>
+        </p:spPr>
+      </p:pic>
     </p:spTree>
     <p:extLst>
       <p:ext uri="{BB962C8B-B14F-4D97-AF65-F5344CB8AC3E}">
@@ -4458,7 +4386,7 @@
       </p:grpSpPr>
       <p:pic>
         <p:nvPicPr>
-          <p:cNvPr id="8" name="Picture 7"/>
+          <p:cNvPr id="3" name="Picture 2"/>
           <p:cNvPicPr>
             <a:picLocks noChangeAspect="1"/>
           </p:cNvPicPr>
@@ -4478,284 +4406,17 @@
         </p:blipFill>
         <p:spPr>
           <a:xfrm>
-            <a:off x="238136" y="3193321"/>
-            <a:ext cx="3840480" cy="2194560"/>
+            <a:off x="3658032" y="984321"/>
+            <a:ext cx="2743200" cy="2194560"/>
           </a:xfrm>
           <a:prstGeom prst="rect">
             <a:avLst/>
           </a:prstGeom>
         </p:spPr>
       </p:pic>
-      <p:sp>
-        <p:nvSpPr>
-          <p:cNvPr id="72" name="TextBox 71"/>
-          <p:cNvSpPr txBox="1"/>
-          <p:nvPr/>
-        </p:nvSpPr>
-        <p:spPr>
-          <a:xfrm>
-            <a:off x="1821332" y="3610356"/>
-            <a:ext cx="363934" cy="1618392"/>
-          </a:xfrm>
-          <a:prstGeom prst="rect">
-            <a:avLst/>
-          </a:prstGeom>
-          <a:solidFill>
-            <a:schemeClr val="bg1"/>
-          </a:solidFill>
-        </p:spPr>
-        <p:txBody>
-          <a:bodyPr wrap="square" rtlCol="0">
-            <a:spAutoFit/>
-          </a:bodyPr>
-          <a:lstStyle/>
-          <a:p>
-            <a:pPr>
-              <a:lnSpc>
-                <a:spcPts val="700"/>
-              </a:lnSpc>
-            </a:pPr>
-            <a:endParaRPr lang="en-US" sz="1000" dirty="0">
-              <a:solidFill>
-                <a:srgbClr val="C00000"/>
-              </a:solidFill>
-            </a:endParaRPr>
-          </a:p>
-          <a:p>
-            <a:pPr>
-              <a:lnSpc>
-                <a:spcPts val="700"/>
-              </a:lnSpc>
-            </a:pPr>
-            <a:endParaRPr lang="en-US" sz="1000" dirty="0" smtClean="0">
-              <a:solidFill>
-                <a:srgbClr val="C00000"/>
-              </a:solidFill>
-            </a:endParaRPr>
-          </a:p>
-          <a:p>
-            <a:pPr>
-              <a:lnSpc>
-                <a:spcPts val="700"/>
-              </a:lnSpc>
-            </a:pPr>
-            <a:endParaRPr lang="en-US" sz="1000" dirty="0">
-              <a:solidFill>
-                <a:srgbClr val="C00000"/>
-              </a:solidFill>
-            </a:endParaRPr>
-          </a:p>
-          <a:p>
-            <a:pPr>
-              <a:lnSpc>
-                <a:spcPts val="700"/>
-              </a:lnSpc>
-            </a:pPr>
-            <a:endParaRPr lang="en-US" sz="1000" dirty="0" smtClean="0">
-              <a:solidFill>
-                <a:srgbClr val="C00000"/>
-              </a:solidFill>
-            </a:endParaRPr>
-          </a:p>
-          <a:p>
-            <a:pPr>
-              <a:lnSpc>
-                <a:spcPts val="700"/>
-              </a:lnSpc>
-            </a:pPr>
-            <a:endParaRPr lang="en-US" sz="1000" dirty="0">
-              <a:solidFill>
-                <a:srgbClr val="C00000"/>
-              </a:solidFill>
-            </a:endParaRPr>
-          </a:p>
-          <a:p>
-            <a:pPr>
-              <a:lnSpc>
-                <a:spcPts val="700"/>
-              </a:lnSpc>
-            </a:pPr>
-            <a:endParaRPr lang="en-US" sz="1000" dirty="0" smtClean="0">
-              <a:solidFill>
-                <a:srgbClr val="C00000"/>
-              </a:solidFill>
-            </a:endParaRPr>
-          </a:p>
-          <a:p>
-            <a:pPr>
-              <a:lnSpc>
-                <a:spcPts val="700"/>
-              </a:lnSpc>
-            </a:pPr>
-            <a:endParaRPr lang="en-US" sz="1000" dirty="0">
-              <a:solidFill>
-                <a:srgbClr val="C00000"/>
-              </a:solidFill>
-            </a:endParaRPr>
-          </a:p>
-          <a:p>
-            <a:pPr>
-              <a:lnSpc>
-                <a:spcPts val="700"/>
-              </a:lnSpc>
-            </a:pPr>
-            <a:endParaRPr lang="en-US" sz="1000" dirty="0" smtClean="0">
-              <a:solidFill>
-                <a:srgbClr val="C00000"/>
-              </a:solidFill>
-            </a:endParaRPr>
-          </a:p>
-          <a:p>
-            <a:pPr>
-              <a:lnSpc>
-                <a:spcPts val="700"/>
-              </a:lnSpc>
-            </a:pPr>
-            <a:endParaRPr lang="en-US" sz="1000" dirty="0">
-              <a:solidFill>
-                <a:srgbClr val="C00000"/>
-              </a:solidFill>
-            </a:endParaRPr>
-          </a:p>
-          <a:p>
-            <a:pPr>
-              <a:lnSpc>
-                <a:spcPts val="700"/>
-              </a:lnSpc>
-            </a:pPr>
-            <a:endParaRPr lang="en-US" sz="1000" dirty="0" smtClean="0">
-              <a:solidFill>
-                <a:srgbClr val="C00000"/>
-              </a:solidFill>
-            </a:endParaRPr>
-          </a:p>
-          <a:p>
-            <a:pPr>
-              <a:lnSpc>
-                <a:spcPts val="700"/>
-              </a:lnSpc>
-            </a:pPr>
-            <a:endParaRPr lang="en-US" sz="1000" dirty="0">
-              <a:solidFill>
-                <a:srgbClr val="C00000"/>
-              </a:solidFill>
-            </a:endParaRPr>
-          </a:p>
-          <a:p>
-            <a:pPr>
-              <a:lnSpc>
-                <a:spcPts val="700"/>
-              </a:lnSpc>
-            </a:pPr>
-            <a:endParaRPr lang="en-US" sz="1000" dirty="0" smtClean="0">
-              <a:solidFill>
-                <a:srgbClr val="C00000"/>
-              </a:solidFill>
-            </a:endParaRPr>
-          </a:p>
-          <a:p>
-            <a:pPr>
-              <a:lnSpc>
-                <a:spcPts val="700"/>
-              </a:lnSpc>
-            </a:pPr>
-            <a:endParaRPr lang="en-US" sz="1000" dirty="0">
-              <a:solidFill>
-                <a:srgbClr val="C00000"/>
-              </a:solidFill>
-            </a:endParaRPr>
-          </a:p>
-          <a:p>
-            <a:pPr>
-              <a:lnSpc>
-                <a:spcPts val="700"/>
-              </a:lnSpc>
-            </a:pPr>
-            <a:endParaRPr lang="en-US" sz="1000" dirty="0" smtClean="0">
-              <a:solidFill>
-                <a:srgbClr val="C00000"/>
-              </a:solidFill>
-            </a:endParaRPr>
-          </a:p>
-          <a:p>
-            <a:pPr>
-              <a:lnSpc>
-                <a:spcPts val="700"/>
-              </a:lnSpc>
-            </a:pPr>
-            <a:endParaRPr lang="en-US" sz="1000" dirty="0">
-              <a:solidFill>
-                <a:srgbClr val="C00000"/>
-              </a:solidFill>
-            </a:endParaRPr>
-          </a:p>
-          <a:p>
-            <a:pPr>
-              <a:lnSpc>
-                <a:spcPts val="700"/>
-              </a:lnSpc>
-            </a:pPr>
-            <a:endParaRPr lang="en-US" sz="1000" dirty="0" smtClean="0">
-              <a:solidFill>
-                <a:srgbClr val="C00000"/>
-              </a:solidFill>
-            </a:endParaRPr>
-          </a:p>
-          <a:p>
-            <a:pPr>
-              <a:lnSpc>
-                <a:spcPts val="700"/>
-              </a:lnSpc>
-            </a:pPr>
-            <a:endParaRPr lang="en-US" sz="1000" dirty="0">
-              <a:solidFill>
-                <a:srgbClr val="C00000"/>
-              </a:solidFill>
-            </a:endParaRPr>
-          </a:p>
-        </p:txBody>
-      </p:sp>
-      <p:sp>
-        <p:nvSpPr>
-          <p:cNvPr id="70" name="TextBox 69"/>
-          <p:cNvSpPr txBox="1"/>
-          <p:nvPr/>
-        </p:nvSpPr>
-        <p:spPr>
-          <a:xfrm>
-            <a:off x="1773130" y="4977959"/>
-            <a:ext cx="518108" cy="193515"/>
-          </a:xfrm>
-          <a:prstGeom prst="rect">
-            <a:avLst/>
-          </a:prstGeom>
-          <a:noFill/>
-        </p:spPr>
-        <p:txBody>
-          <a:bodyPr wrap="square" rtlCol="0">
-            <a:spAutoFit/>
-          </a:bodyPr>
-          <a:lstStyle/>
-          <a:p>
-            <a:pPr>
-              <a:lnSpc>
-                <a:spcPts val="700"/>
-              </a:lnSpc>
-            </a:pPr>
-            <a:r>
-              <a:rPr lang="en-US" sz="1000" dirty="0">
-                <a:solidFill>
-                  <a:srgbClr val="C00000"/>
-                </a:solidFill>
-              </a:rPr>
-              <a:t>●●●●</a:t>
-            </a:r>
-          </a:p>
-        </p:txBody>
-      </p:sp>
       <p:pic>
         <p:nvPicPr>
-          <p:cNvPr id="13" name="Picture 12"/>
+          <p:cNvPr id="8" name="Picture 7"/>
           <p:cNvPicPr>
             <a:picLocks noChangeAspect="1"/>
           </p:cNvPicPr>
@@ -4775,14 +4436,281 @@
         </p:blipFill>
         <p:spPr>
           <a:xfrm>
-            <a:off x="3656871" y="982247"/>
-            <a:ext cx="2743200" cy="2194560"/>
+            <a:off x="238136" y="3193321"/>
+            <a:ext cx="3840480" cy="2194560"/>
           </a:xfrm>
           <a:prstGeom prst="rect">
             <a:avLst/>
           </a:prstGeom>
         </p:spPr>
       </p:pic>
+      <p:sp>
+        <p:nvSpPr>
+          <p:cNvPr id="72" name="TextBox 71"/>
+          <p:cNvSpPr txBox="1"/>
+          <p:nvPr/>
+        </p:nvSpPr>
+        <p:spPr>
+          <a:xfrm>
+            <a:off x="1821332" y="3610356"/>
+            <a:ext cx="363934" cy="1618392"/>
+          </a:xfrm>
+          <a:prstGeom prst="rect">
+            <a:avLst/>
+          </a:prstGeom>
+          <a:solidFill>
+            <a:schemeClr val="bg1"/>
+          </a:solidFill>
+        </p:spPr>
+        <p:txBody>
+          <a:bodyPr wrap="square" rtlCol="0">
+            <a:spAutoFit/>
+          </a:bodyPr>
+          <a:lstStyle/>
+          <a:p>
+            <a:pPr>
+              <a:lnSpc>
+                <a:spcPts val="700"/>
+              </a:lnSpc>
+            </a:pPr>
+            <a:endParaRPr lang="en-US" sz="1000" dirty="0">
+              <a:solidFill>
+                <a:srgbClr val="C00000"/>
+              </a:solidFill>
+            </a:endParaRPr>
+          </a:p>
+          <a:p>
+            <a:pPr>
+              <a:lnSpc>
+                <a:spcPts val="700"/>
+              </a:lnSpc>
+            </a:pPr>
+            <a:endParaRPr lang="en-US" sz="1000" dirty="0" smtClean="0">
+              <a:solidFill>
+                <a:srgbClr val="C00000"/>
+              </a:solidFill>
+            </a:endParaRPr>
+          </a:p>
+          <a:p>
+            <a:pPr>
+              <a:lnSpc>
+                <a:spcPts val="700"/>
+              </a:lnSpc>
+            </a:pPr>
+            <a:endParaRPr lang="en-US" sz="1000" dirty="0">
+              <a:solidFill>
+                <a:srgbClr val="C00000"/>
+              </a:solidFill>
+            </a:endParaRPr>
+          </a:p>
+          <a:p>
+            <a:pPr>
+              <a:lnSpc>
+                <a:spcPts val="700"/>
+              </a:lnSpc>
+            </a:pPr>
+            <a:endParaRPr lang="en-US" sz="1000" dirty="0" smtClean="0">
+              <a:solidFill>
+                <a:srgbClr val="C00000"/>
+              </a:solidFill>
+            </a:endParaRPr>
+          </a:p>
+          <a:p>
+            <a:pPr>
+              <a:lnSpc>
+                <a:spcPts val="700"/>
+              </a:lnSpc>
+            </a:pPr>
+            <a:endParaRPr lang="en-US" sz="1000" dirty="0">
+              <a:solidFill>
+                <a:srgbClr val="C00000"/>
+              </a:solidFill>
+            </a:endParaRPr>
+          </a:p>
+          <a:p>
+            <a:pPr>
+              <a:lnSpc>
+                <a:spcPts val="700"/>
+              </a:lnSpc>
+            </a:pPr>
+            <a:endParaRPr lang="en-US" sz="1000" dirty="0" smtClean="0">
+              <a:solidFill>
+                <a:srgbClr val="C00000"/>
+              </a:solidFill>
+            </a:endParaRPr>
+          </a:p>
+          <a:p>
+            <a:pPr>
+              <a:lnSpc>
+                <a:spcPts val="700"/>
+              </a:lnSpc>
+            </a:pPr>
+            <a:endParaRPr lang="en-US" sz="1000" dirty="0">
+              <a:solidFill>
+                <a:srgbClr val="C00000"/>
+              </a:solidFill>
+            </a:endParaRPr>
+          </a:p>
+          <a:p>
+            <a:pPr>
+              <a:lnSpc>
+                <a:spcPts val="700"/>
+              </a:lnSpc>
+            </a:pPr>
+            <a:endParaRPr lang="en-US" sz="1000" dirty="0" smtClean="0">
+              <a:solidFill>
+                <a:srgbClr val="C00000"/>
+              </a:solidFill>
+            </a:endParaRPr>
+          </a:p>
+          <a:p>
+            <a:pPr>
+              <a:lnSpc>
+                <a:spcPts val="700"/>
+              </a:lnSpc>
+            </a:pPr>
+            <a:endParaRPr lang="en-US" sz="1000" dirty="0">
+              <a:solidFill>
+                <a:srgbClr val="C00000"/>
+              </a:solidFill>
+            </a:endParaRPr>
+          </a:p>
+          <a:p>
+            <a:pPr>
+              <a:lnSpc>
+                <a:spcPts val="700"/>
+              </a:lnSpc>
+            </a:pPr>
+            <a:endParaRPr lang="en-US" sz="1000" dirty="0" smtClean="0">
+              <a:solidFill>
+                <a:srgbClr val="C00000"/>
+              </a:solidFill>
+            </a:endParaRPr>
+          </a:p>
+          <a:p>
+            <a:pPr>
+              <a:lnSpc>
+                <a:spcPts val="700"/>
+              </a:lnSpc>
+            </a:pPr>
+            <a:endParaRPr lang="en-US" sz="1000" dirty="0">
+              <a:solidFill>
+                <a:srgbClr val="C00000"/>
+              </a:solidFill>
+            </a:endParaRPr>
+          </a:p>
+          <a:p>
+            <a:pPr>
+              <a:lnSpc>
+                <a:spcPts val="700"/>
+              </a:lnSpc>
+            </a:pPr>
+            <a:endParaRPr lang="en-US" sz="1000" dirty="0" smtClean="0">
+              <a:solidFill>
+                <a:srgbClr val="C00000"/>
+              </a:solidFill>
+            </a:endParaRPr>
+          </a:p>
+          <a:p>
+            <a:pPr>
+              <a:lnSpc>
+                <a:spcPts val="700"/>
+              </a:lnSpc>
+            </a:pPr>
+            <a:endParaRPr lang="en-US" sz="1000" dirty="0">
+              <a:solidFill>
+                <a:srgbClr val="C00000"/>
+              </a:solidFill>
+            </a:endParaRPr>
+          </a:p>
+          <a:p>
+            <a:pPr>
+              <a:lnSpc>
+                <a:spcPts val="700"/>
+              </a:lnSpc>
+            </a:pPr>
+            <a:endParaRPr lang="en-US" sz="1000" dirty="0" smtClean="0">
+              <a:solidFill>
+                <a:srgbClr val="C00000"/>
+              </a:solidFill>
+            </a:endParaRPr>
+          </a:p>
+          <a:p>
+            <a:pPr>
+              <a:lnSpc>
+                <a:spcPts val="700"/>
+              </a:lnSpc>
+            </a:pPr>
+            <a:endParaRPr lang="en-US" sz="1000" dirty="0">
+              <a:solidFill>
+                <a:srgbClr val="C00000"/>
+              </a:solidFill>
+            </a:endParaRPr>
+          </a:p>
+          <a:p>
+            <a:pPr>
+              <a:lnSpc>
+                <a:spcPts val="700"/>
+              </a:lnSpc>
+            </a:pPr>
+            <a:endParaRPr lang="en-US" sz="1000" dirty="0" smtClean="0">
+              <a:solidFill>
+                <a:srgbClr val="C00000"/>
+              </a:solidFill>
+            </a:endParaRPr>
+          </a:p>
+          <a:p>
+            <a:pPr>
+              <a:lnSpc>
+                <a:spcPts val="700"/>
+              </a:lnSpc>
+            </a:pPr>
+            <a:endParaRPr lang="en-US" sz="1000" dirty="0">
+              <a:solidFill>
+                <a:srgbClr val="C00000"/>
+              </a:solidFill>
+            </a:endParaRPr>
+          </a:p>
+        </p:txBody>
+      </p:sp>
+      <p:sp>
+        <p:nvSpPr>
+          <p:cNvPr id="70" name="TextBox 69"/>
+          <p:cNvSpPr txBox="1"/>
+          <p:nvPr/>
+        </p:nvSpPr>
+        <p:spPr>
+          <a:xfrm>
+            <a:off x="1773130" y="4977959"/>
+            <a:ext cx="518108" cy="193515"/>
+          </a:xfrm>
+          <a:prstGeom prst="rect">
+            <a:avLst/>
+          </a:prstGeom>
+          <a:noFill/>
+        </p:spPr>
+        <p:txBody>
+          <a:bodyPr wrap="square" rtlCol="0">
+            <a:spAutoFit/>
+          </a:bodyPr>
+          <a:lstStyle/>
+          <a:p>
+            <a:pPr>
+              <a:lnSpc>
+                <a:spcPts val="700"/>
+              </a:lnSpc>
+            </a:pPr>
+            <a:r>
+              <a:rPr lang="en-US" sz="1000" dirty="0">
+                <a:solidFill>
+                  <a:srgbClr val="C00000"/>
+                </a:solidFill>
+              </a:rPr>
+              <a:t>●●●●</a:t>
+            </a:r>
+          </a:p>
+        </p:txBody>
+      </p:sp>
       <p:sp>
         <p:nvSpPr>
           <p:cNvPr id="73" name="TextBox 72"/>
@@ -5470,23 +5398,7 @@
                             <a:schemeClr val="tx1"/>
                           </a:solidFill>
                         </a:rPr>
-                        <a:t>Tetrapep x position </a:t>
-                      </a:r>
-                      <a:r>
-                        <a:rPr lang="en-US" sz="900" b="0" dirty="0" smtClean="0">
-                          <a:solidFill>
-                            <a:schemeClr val="tx1"/>
-                          </a:solidFill>
-                        </a:rPr>
-                        <a:t>(Gcn4) </a:t>
-                      </a:r>
-                      <a:r>
-                        <a:rPr lang="en-US" sz="900" b="0" dirty="0" smtClean="0">
-                          <a:solidFill>
-                            <a:schemeClr val="tx1"/>
-                          </a:solidFill>
-                        </a:rPr>
-                        <a:t>– predict wd12</a:t>
+                        <a:t>Tetrapep x position (Gcn4) – predict wd12</a:t>
                       </a:r>
                       <a:endParaRPr lang="en-US" sz="900" b="0" dirty="0">
                         <a:solidFill>
@@ -5710,196 +5622,126 @@
                 <a:latin typeface="Arial" panose="020B0604020202020204" pitchFamily="34" charset="0"/>
                 <a:cs typeface="Arial" panose="020B0604020202020204" pitchFamily="34" charset="0"/>
               </a:rPr>
-              <a:t>all combinations of 6 W and 6 D </a:t>
+              <a:t>all combinations of 6 W and 6 D (906 sequences total). </a:t>
+            </a:r>
+            <a:r>
+              <a:rPr lang="en-US" sz="1000" b="1" dirty="0" smtClean="0">
+                <a:latin typeface="Arial" panose="020B0604020202020204" pitchFamily="34" charset="0"/>
+                <a:cs typeface="Arial" panose="020B0604020202020204" pitchFamily="34" charset="0"/>
+              </a:rPr>
+              <a:t>C</a:t>
             </a:r>
             <a:r>
               <a:rPr lang="en-US" sz="1000" dirty="0" smtClean="0">
                 <a:latin typeface="Arial" panose="020B0604020202020204" pitchFamily="34" charset="0"/>
                 <a:cs typeface="Arial" panose="020B0604020202020204" pitchFamily="34" charset="0"/>
               </a:rPr>
-              <a:t>(</a:t>
+              <a:t> – X axis: mixing score calculated using formula N=n( [WYF][DE] ) + n( [DE][WYF] ), Y axis: % of functional sequences in the pool of sequences from Gcn4 random peptide library with 6 [WYF] and 6 [DE] (3018 </a:t>
+            </a:r>
+            <a:r>
+              <a:rPr lang="en-US" sz="1000" dirty="0">
+                <a:latin typeface="Arial" panose="020B0604020202020204" pitchFamily="34" charset="0"/>
+                <a:cs typeface="Arial" panose="020B0604020202020204" pitchFamily="34" charset="0"/>
+              </a:rPr>
+              <a:t>sequences total</a:t>
             </a:r>
             <a:r>
               <a:rPr lang="en-US" sz="1000" dirty="0" smtClean="0">
                 <a:latin typeface="Arial" panose="020B0604020202020204" pitchFamily="34" charset="0"/>
                 <a:cs typeface="Arial" panose="020B0604020202020204" pitchFamily="34" charset="0"/>
               </a:rPr>
-              <a:t>906</a:t>
+              <a:t>). </a:t>
+            </a:r>
+            <a:r>
+              <a:rPr lang="en-US" sz="1000" b="1" dirty="0" smtClean="0">
+                <a:latin typeface="Arial" panose="020B0604020202020204" pitchFamily="34" charset="0"/>
+                <a:cs typeface="Arial" panose="020B0604020202020204" pitchFamily="34" charset="0"/>
+              </a:rPr>
+              <a:t>D</a:t>
             </a:r>
             <a:r>
               <a:rPr lang="en-US" sz="1000" dirty="0" smtClean="0">
                 <a:latin typeface="Arial" panose="020B0604020202020204" pitchFamily="34" charset="0"/>
                 <a:cs typeface="Arial" panose="020B0604020202020204" pitchFamily="34" charset="0"/>
               </a:rPr>
-              <a:t> </a:t>
+              <a:t> – X axis: % of functional sequences in the pool of sequences that contain a certain </a:t>
+            </a:r>
+            <a:r>
+              <a:rPr lang="en-US" sz="1000" dirty="0" err="1" smtClean="0">
+                <a:latin typeface="Arial" panose="020B0604020202020204" pitchFamily="34" charset="0"/>
+                <a:cs typeface="Arial" panose="020B0604020202020204" pitchFamily="34" charset="0"/>
+              </a:rPr>
+              <a:t>tetrapeptide</a:t>
             </a:r>
             <a:r>
               <a:rPr lang="en-US" sz="1000" dirty="0" smtClean="0">
                 <a:latin typeface="Arial" panose="020B0604020202020204" pitchFamily="34" charset="0"/>
                 <a:cs typeface="Arial" panose="020B0604020202020204" pitchFamily="34" charset="0"/>
               </a:rPr>
-              <a:t>sequences total). </a:t>
+              <a:t> motif, Y axis: </a:t>
+            </a:r>
+            <a:r>
+              <a:rPr lang="en-US" sz="1000" dirty="0" err="1">
+                <a:latin typeface="Arial" panose="020B0604020202020204" pitchFamily="34" charset="0"/>
+                <a:cs typeface="Arial" panose="020B0604020202020204" pitchFamily="34" charset="0"/>
+              </a:rPr>
+              <a:t>t</a:t>
+            </a:r>
+            <a:r>
+              <a:rPr lang="en-US" sz="1000" dirty="0" err="1" smtClean="0">
+                <a:latin typeface="Arial" panose="020B0604020202020204" pitchFamily="34" charset="0"/>
+                <a:cs typeface="Arial" panose="020B0604020202020204" pitchFamily="34" charset="0"/>
+              </a:rPr>
+              <a:t>etrapeptide</a:t>
+            </a:r>
+            <a:r>
+              <a:rPr lang="en-US" sz="1000" dirty="0" smtClean="0">
+                <a:latin typeface="Arial" panose="020B0604020202020204" pitchFamily="34" charset="0"/>
+                <a:cs typeface="Arial" panose="020B0604020202020204" pitchFamily="34" charset="0"/>
+              </a:rPr>
+              <a:t> motifs. </a:t>
             </a:r>
             <a:r>
               <a:rPr lang="en-US" sz="1000" b="1" dirty="0" smtClean="0">
                 <a:latin typeface="Arial" panose="020B0604020202020204" pitchFamily="34" charset="0"/>
                 <a:cs typeface="Arial" panose="020B0604020202020204" pitchFamily="34" charset="0"/>
               </a:rPr>
-              <a:t>C</a:t>
+              <a:t>E</a:t>
             </a:r>
             <a:r>
               <a:rPr lang="en-US" sz="1000" dirty="0" smtClean="0">
                 <a:latin typeface="Arial" panose="020B0604020202020204" pitchFamily="34" charset="0"/>
                 <a:cs typeface="Arial" panose="020B0604020202020204" pitchFamily="34" charset="0"/>
               </a:rPr>
-              <a:t> – X axis: mixing score calculated using formula N=n( [WYF][DE] ) + n( [DE][WYF] ), Y axis: % of functional sequences in the pool of sequences from Gcn4 random peptide library with 6 [WYF] and 6 [DE] </a:t>
+              <a:t> – X axis: Starting amino acid position of </a:t>
+            </a:r>
+            <a:r>
+              <a:rPr lang="en-US" sz="1000" dirty="0" err="1" smtClean="0">
+                <a:latin typeface="Arial" panose="020B0604020202020204" pitchFamily="34" charset="0"/>
+                <a:cs typeface="Arial" panose="020B0604020202020204" pitchFamily="34" charset="0"/>
+              </a:rPr>
+              <a:t>tetrapeptide</a:t>
             </a:r>
             <a:r>
               <a:rPr lang="en-US" sz="1000" dirty="0" smtClean="0">
                 <a:latin typeface="Arial" panose="020B0604020202020204" pitchFamily="34" charset="0"/>
                 <a:cs typeface="Arial" panose="020B0604020202020204" pitchFamily="34" charset="0"/>
               </a:rPr>
-              <a:t>(</a:t>
+              <a:t> in </a:t>
+            </a:r>
+            <a:r>
+              <a:rPr lang="en-US" sz="1000" dirty="0" err="1" smtClean="0">
+                <a:latin typeface="Arial" panose="020B0604020202020204" pitchFamily="34" charset="0"/>
+                <a:cs typeface="Arial" panose="020B0604020202020204" pitchFamily="34" charset="0"/>
+              </a:rPr>
+              <a:t>tAD</a:t>
             </a:r>
             <a:r>
               <a:rPr lang="en-US" sz="1000" dirty="0" smtClean="0">
                 <a:latin typeface="Arial" panose="020B0604020202020204" pitchFamily="34" charset="0"/>
                 <a:cs typeface="Arial" panose="020B0604020202020204" pitchFamily="34" charset="0"/>
               </a:rPr>
-              <a:t>3018</a:t>
-            </a:r>
-            <a:r>
-              <a:rPr lang="en-US" sz="1000" dirty="0" smtClean="0">
-                <a:latin typeface="Arial" panose="020B0604020202020204" pitchFamily="34" charset="0"/>
-                <a:cs typeface="Arial" panose="020B0604020202020204" pitchFamily="34" charset="0"/>
-              </a:rPr>
-              <a:t> </a:t>
-            </a:r>
-            <a:r>
-              <a:rPr lang="en-US" sz="1000" dirty="0">
-                <a:latin typeface="Arial" panose="020B0604020202020204" pitchFamily="34" charset="0"/>
-                <a:cs typeface="Arial" panose="020B0604020202020204" pitchFamily="34" charset="0"/>
-              </a:rPr>
-              <a:t>sequences total</a:t>
-            </a:r>
-            <a:r>
-              <a:rPr lang="en-US" sz="1000" dirty="0" smtClean="0">
-                <a:latin typeface="Arial" panose="020B0604020202020204" pitchFamily="34" charset="0"/>
-                <a:cs typeface="Arial" panose="020B0604020202020204" pitchFamily="34" charset="0"/>
-              </a:rPr>
-              <a:t>). </a:t>
-            </a:r>
-            <a:r>
-              <a:rPr lang="en-US" sz="1000" b="1" dirty="0" smtClean="0">
-                <a:latin typeface="Arial" panose="020B0604020202020204" pitchFamily="34" charset="0"/>
-                <a:cs typeface="Arial" panose="020B0604020202020204" pitchFamily="34" charset="0"/>
-              </a:rPr>
-              <a:t>D</a:t>
-            </a:r>
-            <a:r>
-              <a:rPr lang="en-US" sz="1000" dirty="0" smtClean="0">
-                <a:latin typeface="Arial" panose="020B0604020202020204" pitchFamily="34" charset="0"/>
-                <a:cs typeface="Arial" panose="020B0604020202020204" pitchFamily="34" charset="0"/>
-              </a:rPr>
-              <a:t> – X axis: % of functional sequences in the pool of sequences that contain a certain </a:t>
-            </a:r>
-            <a:r>
-              <a:rPr lang="en-US" sz="1000" dirty="0" err="1" smtClean="0">
-                <a:latin typeface="Arial" panose="020B0604020202020204" pitchFamily="34" charset="0"/>
-                <a:cs typeface="Arial" panose="020B0604020202020204" pitchFamily="34" charset="0"/>
-              </a:rPr>
-              <a:t>tetrapeptide</a:t>
-            </a:r>
-            <a:r>
-              <a:rPr lang="en-US" sz="1000" dirty="0" smtClean="0">
-                <a:latin typeface="Arial" panose="020B0604020202020204" pitchFamily="34" charset="0"/>
-                <a:cs typeface="Arial" panose="020B0604020202020204" pitchFamily="34" charset="0"/>
-              </a:rPr>
-              <a:t> motif, Y axis: </a:t>
-            </a:r>
-            <a:r>
-              <a:rPr lang="en-US" sz="1000" dirty="0" err="1">
-                <a:latin typeface="Arial" panose="020B0604020202020204" pitchFamily="34" charset="0"/>
-                <a:cs typeface="Arial" panose="020B0604020202020204" pitchFamily="34" charset="0"/>
-              </a:rPr>
-              <a:t>t</a:t>
-            </a:r>
-            <a:r>
-              <a:rPr lang="en-US" sz="1000" dirty="0" err="1" smtClean="0">
-                <a:latin typeface="Arial" panose="020B0604020202020204" pitchFamily="34" charset="0"/>
-                <a:cs typeface="Arial" panose="020B0604020202020204" pitchFamily="34" charset="0"/>
-              </a:rPr>
-              <a:t>etrapeptide</a:t>
-            </a:r>
-            <a:r>
-              <a:rPr lang="en-US" sz="1000" dirty="0" smtClean="0">
-                <a:latin typeface="Arial" panose="020B0604020202020204" pitchFamily="34" charset="0"/>
-                <a:cs typeface="Arial" panose="020B0604020202020204" pitchFamily="34" charset="0"/>
-              </a:rPr>
-              <a:t> </a:t>
-            </a:r>
-            <a:r>
-              <a:rPr lang="en-US" sz="1000" dirty="0" smtClean="0">
-                <a:latin typeface="Arial" panose="020B0604020202020204" pitchFamily="34" charset="0"/>
-                <a:cs typeface="Arial" panose="020B0604020202020204" pitchFamily="34" charset="0"/>
-              </a:rPr>
-              <a:t>motifs. </a:t>
-            </a:r>
-            <a:r>
-              <a:rPr lang="en-US" sz="1000" b="1" dirty="0" smtClean="0">
-                <a:latin typeface="Arial" panose="020B0604020202020204" pitchFamily="34" charset="0"/>
-                <a:cs typeface="Arial" panose="020B0604020202020204" pitchFamily="34" charset="0"/>
-              </a:rPr>
-              <a:t>E</a:t>
-            </a:r>
-            <a:r>
-              <a:rPr lang="en-US" sz="1000" dirty="0" smtClean="0">
-                <a:latin typeface="Arial" panose="020B0604020202020204" pitchFamily="34" charset="0"/>
-                <a:cs typeface="Arial" panose="020B0604020202020204" pitchFamily="34" charset="0"/>
-              </a:rPr>
-              <a:t> – X axis: Starting amino acid position of </a:t>
-            </a:r>
-            <a:r>
-              <a:rPr lang="en-US" sz="1000" dirty="0" err="1" smtClean="0">
-                <a:latin typeface="Arial" panose="020B0604020202020204" pitchFamily="34" charset="0"/>
-                <a:cs typeface="Arial" panose="020B0604020202020204" pitchFamily="34" charset="0"/>
-              </a:rPr>
-              <a:t>tetrapeptide</a:t>
-            </a:r>
-            <a:r>
-              <a:rPr lang="en-US" sz="1000" dirty="0" smtClean="0">
-                <a:latin typeface="Arial" panose="020B0604020202020204" pitchFamily="34" charset="0"/>
-                <a:cs typeface="Arial" panose="020B0604020202020204" pitchFamily="34" charset="0"/>
-              </a:rPr>
-              <a:t> in </a:t>
-            </a:r>
-            <a:r>
-              <a:rPr lang="en-US" sz="1000" dirty="0" err="1" smtClean="0">
-                <a:latin typeface="Arial" panose="020B0604020202020204" pitchFamily="34" charset="0"/>
-                <a:cs typeface="Arial" panose="020B0604020202020204" pitchFamily="34" charset="0"/>
-              </a:rPr>
-              <a:t>tAD</a:t>
-            </a:r>
-            <a:r>
-              <a:rPr lang="en-US" sz="1000" dirty="0" smtClean="0">
-                <a:latin typeface="Arial" panose="020B0604020202020204" pitchFamily="34" charset="0"/>
-                <a:cs typeface="Arial" panose="020B0604020202020204" pitchFamily="34" charset="0"/>
-              </a:rPr>
-              <a:t> </a:t>
-            </a:r>
-            <a:r>
-              <a:rPr lang="en-US" sz="1000" dirty="0" smtClean="0">
-                <a:latin typeface="Arial" panose="020B0604020202020204" pitchFamily="34" charset="0"/>
-                <a:cs typeface="Arial" panose="020B0604020202020204" pitchFamily="34" charset="0"/>
-              </a:rPr>
-              <a:t>module for the wd12 library, </a:t>
-            </a:r>
-            <a:r>
-              <a:rPr lang="en-US" sz="1000" dirty="0" smtClean="0">
-                <a:latin typeface="Arial" panose="020B0604020202020204" pitchFamily="34" charset="0"/>
-                <a:cs typeface="Arial" panose="020B0604020202020204" pitchFamily="34" charset="0"/>
-              </a:rPr>
-              <a:t>Y axis: </a:t>
+              <a:t> module for the wd12 library, Y axis: </a:t>
             </a:r>
             <a:r>
               <a:rPr lang="en-US" sz="1000" dirty="0">
@@ -6117,7 +5959,7 @@
         <p:spPr>
           <a:xfrm>
             <a:off x="3756698" y="1045338"/>
-            <a:ext cx="757250" cy="298993"/>
+            <a:ext cx="634327" cy="298993"/>
           </a:xfrm>
           <a:prstGeom prst="rect">
             <a:avLst/>
@@ -8312,49 +8154,6 @@
           <a:p>
             <a:pPr algn="ctr"/>
             <a:endParaRPr lang="en-US"/>
-          </a:p>
-        </p:txBody>
-      </p:sp>
-      <p:sp>
-        <p:nvSpPr>
-          <p:cNvPr id="79" name="TextBox 78"/>
-          <p:cNvSpPr txBox="1"/>
-          <p:nvPr/>
-        </p:nvSpPr>
-        <p:spPr>
-          <a:xfrm>
-            <a:off x="6215723" y="1045388"/>
-            <a:ext cx="507389" cy="183384"/>
-          </a:xfrm>
-          <a:prstGeom prst="rect">
-            <a:avLst/>
-          </a:prstGeom>
-          <a:noFill/>
-        </p:spPr>
-        <p:txBody>
-          <a:bodyPr wrap="square" rtlCol="0">
-            <a:spAutoFit/>
-          </a:bodyPr>
-          <a:lstStyle/>
-          <a:p>
-            <a:pPr>
-              <a:lnSpc>
-                <a:spcPts val="700"/>
-              </a:lnSpc>
-            </a:pPr>
-            <a:r>
-              <a:rPr lang="en-US" sz="600" dirty="0" smtClean="0">
-                <a:solidFill>
-                  <a:srgbClr val="FB8181"/>
-                </a:solidFill>
-              </a:rPr>
-              <a:t>●</a:t>
-            </a:r>
-            <a:endParaRPr lang="en-US" sz="600" dirty="0">
-              <a:solidFill>
-                <a:srgbClr val="FB8181"/>
-              </a:solidFill>
-            </a:endParaRPr>
           </a:p>
         </p:txBody>
       </p:sp>
@@ -8725,7 +8524,7 @@
         <p:spPr>
           <a:xfrm>
             <a:off x="595882" y="6184642"/>
-            <a:ext cx="5633030" cy="1477328"/>
+            <a:ext cx="5633030" cy="1631216"/>
           </a:xfrm>
           <a:prstGeom prst="rect">
             <a:avLst/>
@@ -8757,14 +8556,7 @@
                 <a:latin typeface="Arial" panose="020B0604020202020204" pitchFamily="34" charset="0"/>
                 <a:cs typeface="Arial" panose="020B0604020202020204" pitchFamily="34" charset="0"/>
               </a:rPr>
-              <a:t> or Ds flanking W cluster is beneficial for AD </a:t>
-            </a:r>
-            <a:r>
-              <a:rPr lang="en-US" sz="1000" b="1" dirty="0" smtClean="0">
-                <a:latin typeface="Arial" panose="020B0604020202020204" pitchFamily="34" charset="0"/>
-                <a:cs typeface="Arial" panose="020B0604020202020204" pitchFamily="34" charset="0"/>
-              </a:rPr>
-              <a:t>functionality. A </a:t>
+              <a:t> or Ds flanking W cluster is beneficial for AD functionality. A </a:t>
             </a:r>
             <a:r>
               <a:rPr lang="en-US" sz="1000" dirty="0" smtClean="0">
@@ -8858,91 +8650,49 @@
                 <a:latin typeface="Arial" panose="020B0604020202020204" pitchFamily="34" charset="0"/>
                 <a:cs typeface="Arial" panose="020B0604020202020204" pitchFamily="34" charset="0"/>
               </a:rPr>
-              <a:t> – same as B calculated for </a:t>
+              <a:t> – same as B calculated for Gcn4 library using [WFY] instead of just W and [DE] instead of just D.  </a:t>
+            </a:r>
+            <a:r>
+              <a:rPr lang="en-US" sz="1000" b="1" dirty="0" smtClean="0">
+                <a:latin typeface="Arial" panose="020B0604020202020204" pitchFamily="34" charset="0"/>
+                <a:cs typeface="Arial" panose="020B0604020202020204" pitchFamily="34" charset="0"/>
+              </a:rPr>
+              <a:t>D </a:t>
             </a:r>
             <a:r>
               <a:rPr lang="en-US" sz="1000" dirty="0" smtClean="0">
                 <a:latin typeface="Arial" panose="020B0604020202020204" pitchFamily="34" charset="0"/>
                 <a:cs typeface="Arial" panose="020B0604020202020204" pitchFamily="34" charset="0"/>
               </a:rPr>
-              <a:t>Gcn4 library </a:t>
+              <a:t>- sequences with indicated growth slopes. Red dots represent D and yellow dots represent W. </a:t>
+            </a:r>
+            <a:r>
+              <a:rPr lang="en-US" sz="1000" b="1" dirty="0" smtClean="0">
+                <a:latin typeface="Arial" panose="020B0604020202020204" pitchFamily="34" charset="0"/>
+                <a:cs typeface="Arial" panose="020B0604020202020204" pitchFamily="34" charset="0"/>
+              </a:rPr>
+              <a:t>E </a:t>
             </a:r>
             <a:r>
               <a:rPr lang="en-US" sz="1000" dirty="0" smtClean="0">
                 <a:latin typeface="Arial" panose="020B0604020202020204" pitchFamily="34" charset="0"/>
                 <a:cs typeface="Arial" panose="020B0604020202020204" pitchFamily="34" charset="0"/>
               </a:rPr>
-              <a:t>using [</a:t>
+              <a:t>– sequence constructs of different starred sequences in previous figure 3 plots, to help visualize </a:t>
+            </a:r>
+            <a:r>
+              <a:rPr lang="en-US" sz="1000" dirty="0" err="1" smtClean="0">
+                <a:latin typeface="Arial" panose="020B0604020202020204" pitchFamily="34" charset="0"/>
+                <a:cs typeface="Arial" panose="020B0604020202020204" pitchFamily="34" charset="0"/>
+              </a:rPr>
+              <a:t>tAD</a:t>
             </a:r>
             <a:r>
               <a:rPr lang="en-US" sz="1000" dirty="0" smtClean="0">
                 <a:latin typeface="Arial" panose="020B0604020202020204" pitchFamily="34" charset="0"/>
                 <a:cs typeface="Arial" panose="020B0604020202020204" pitchFamily="34" charset="0"/>
               </a:rPr>
-              <a:t>WFY</a:t>
-            </a:r>
-            <a:r>
-              <a:rPr lang="en-US" sz="1000" dirty="0" smtClean="0">
-                <a:latin typeface="Arial" panose="020B0604020202020204" pitchFamily="34" charset="0"/>
-                <a:cs typeface="Arial" panose="020B0604020202020204" pitchFamily="34" charset="0"/>
-              </a:rPr>
-              <a:t>] instead of just W and [</a:t>
-            </a:r>
-            <a:r>
-              <a:rPr lang="en-US" sz="1000" dirty="0" smtClean="0">
-                <a:latin typeface="Arial" panose="020B0604020202020204" pitchFamily="34" charset="0"/>
-                <a:cs typeface="Arial" panose="020B0604020202020204" pitchFamily="34" charset="0"/>
-              </a:rPr>
-              <a:t>DE</a:t>
-            </a:r>
-            <a:r>
-              <a:rPr lang="en-US" sz="1000" dirty="0" smtClean="0">
-                <a:latin typeface="Arial" panose="020B0604020202020204" pitchFamily="34" charset="0"/>
-                <a:cs typeface="Arial" panose="020B0604020202020204" pitchFamily="34" charset="0"/>
-              </a:rPr>
-              <a:t>] instead of just D.  </a:t>
-            </a:r>
-            <a:r>
-              <a:rPr lang="en-US" sz="1000" b="1" dirty="0" smtClean="0">
-                <a:latin typeface="Arial" panose="020B0604020202020204" pitchFamily="34" charset="0"/>
-                <a:cs typeface="Arial" panose="020B0604020202020204" pitchFamily="34" charset="0"/>
-              </a:rPr>
-              <a:t>D </a:t>
-            </a:r>
-            <a:r>
-              <a:rPr lang="en-US" sz="1000" dirty="0" smtClean="0">
-                <a:latin typeface="Arial" panose="020B0604020202020204" pitchFamily="34" charset="0"/>
-                <a:cs typeface="Arial" panose="020B0604020202020204" pitchFamily="34" charset="0"/>
-              </a:rPr>
-              <a:t>- sequences with indicated growth slopes. Red dots represent D and yellow dots represent W. </a:t>
-            </a:r>
-            <a:r>
-              <a:rPr lang="en-US" sz="1000" b="1" dirty="0" smtClean="0">
-                <a:latin typeface="Arial" panose="020B0604020202020204" pitchFamily="34" charset="0"/>
-                <a:cs typeface="Arial" panose="020B0604020202020204" pitchFamily="34" charset="0"/>
-              </a:rPr>
-              <a:t>E </a:t>
-            </a:r>
-            <a:r>
-              <a:rPr lang="en-US" sz="1000" dirty="0" smtClean="0">
-                <a:latin typeface="Arial" panose="020B0604020202020204" pitchFamily="34" charset="0"/>
-                <a:cs typeface="Arial" panose="020B0604020202020204" pitchFamily="34" charset="0"/>
-              </a:rPr>
-              <a:t>– sequence constructs of different starred sequences in previous figure 3 plots, to help visualize </a:t>
-            </a:r>
-            <a:r>
-              <a:rPr lang="en-US" sz="1000" dirty="0" err="1" smtClean="0">
-                <a:latin typeface="Arial" panose="020B0604020202020204" pitchFamily="34" charset="0"/>
-                <a:cs typeface="Arial" panose="020B0604020202020204" pitchFamily="34" charset="0"/>
-              </a:rPr>
-              <a:t>tAD</a:t>
-            </a:r>
-            <a:r>
-              <a:rPr lang="en-US" sz="1000" dirty="0" smtClean="0">
-                <a:latin typeface="Arial" panose="020B0604020202020204" pitchFamily="34" charset="0"/>
-                <a:cs typeface="Arial" panose="020B0604020202020204" pitchFamily="34" charset="0"/>
-              </a:rPr>
-              <a:t> sequences described in each plot.</a:t>
+              <a:t> sequences described in each plot. AlphaFold2 predicted structure displayed above sequence for (     ) and (       ) sequences.</a:t>
             </a:r>
             <a:endParaRPr lang="en-US" sz="1000" b="1" dirty="0">
               <a:latin typeface="Arial" panose="020B0604020202020204" pitchFamily="34" charset="0"/>
@@ -9083,11 +8833,7 @@
           <a:p>
             <a:r>
               <a:rPr lang="en-US" sz="1200" dirty="0" smtClean="0"/>
-              <a:t>Gal4 (wd12) </a:t>
-            </a:r>
-            <a:r>
-              <a:rPr lang="en-US" sz="1200" dirty="0" smtClean="0"/>
-              <a:t>C-terminus </a:t>
+              <a:t>Gal4 (wd12) C-terminus </a:t>
             </a:r>
             <a:endParaRPr lang="en-US" sz="1200" dirty="0"/>
           </a:p>
@@ -9209,11 +8955,7 @@
           <a:p>
             <a:r>
               <a:rPr lang="en-US" sz="1200" dirty="0" smtClean="0"/>
-              <a:t>Gcn4 </a:t>
-            </a:r>
-            <a:r>
-              <a:rPr lang="en-US" sz="1200" dirty="0" smtClean="0"/>
-              <a:t>C-terminus </a:t>
+              <a:t>Gcn4 C-terminus </a:t>
             </a:r>
             <a:endParaRPr lang="en-US" sz="1200" dirty="0"/>
           </a:p>
@@ -9535,7 +9277,7 @@
         </p:nvSpPr>
         <p:spPr>
           <a:xfrm>
-            <a:off x="212175" y="3623182"/>
+            <a:off x="212175" y="3838618"/>
             <a:ext cx="408127" cy="253916"/>
           </a:xfrm>
           <a:prstGeom prst="rect">
@@ -10236,7 +9978,7 @@
                 <a:latin typeface="Courier New" panose="02070309020205020404" pitchFamily="49" charset="0"/>
                 <a:cs typeface="Courier New" panose="02070309020205020404" pitchFamily="49" charset="0"/>
               </a:rPr>
-              <a:t>............</a:t>
+              <a:t>..........</a:t>
             </a:r>
             <a:r>
               <a:rPr lang="en-US" sz="1000" dirty="0" smtClean="0">
@@ -10246,7 +9988,7 @@
                 <a:latin typeface="Courier New" panose="02070309020205020404" pitchFamily="49" charset="0"/>
                 <a:cs typeface="Courier New" panose="02070309020205020404" pitchFamily="49" charset="0"/>
               </a:rPr>
-              <a:t>●●●</a:t>
+              <a:t>●●●●●</a:t>
             </a:r>
             <a:r>
               <a:rPr lang="en-US" sz="1000" dirty="0" smtClean="0">
@@ -10256,18 +9998,15 @@
                 <a:latin typeface="Courier New" panose="02070309020205020404" pitchFamily="49" charset="0"/>
                 <a:cs typeface="Courier New" panose="02070309020205020404" pitchFamily="49" charset="0"/>
               </a:rPr>
-              <a:t>●●●●</a:t>
-            </a:r>
-            <a:r>
-              <a:rPr lang="en-US" sz="1000" dirty="0">
-                <a:solidFill>
-                  <a:srgbClr val="FFC000"/>
-                </a:solidFill>
-                <a:latin typeface="Courier New" panose="02070309020205020404" pitchFamily="49" charset="0"/>
-                <a:cs typeface="Courier New" panose="02070309020205020404" pitchFamily="49" charset="0"/>
-              </a:rPr>
-              <a:t>●</a:t>
-            </a:r>
+              <a:t>●●●●●</a:t>
+            </a:r>
+            <a:endParaRPr lang="en-US" sz="1000" dirty="0">
+              <a:solidFill>
+                <a:srgbClr val="FFC000"/>
+              </a:solidFill>
+              <a:latin typeface="Courier New" panose="02070309020205020404" pitchFamily="49" charset="0"/>
+              <a:cs typeface="Courier New" panose="02070309020205020404" pitchFamily="49" charset="0"/>
+            </a:endParaRPr>
           </a:p>
         </p:txBody>
       </p:sp>
@@ -10699,6 +10438,126 @@
           </a:p>
         </p:txBody>
       </p:sp>
+      <p:pic>
+        <p:nvPicPr>
+          <p:cNvPr id="18" name="Picture 17"/>
+          <p:cNvPicPr>
+            <a:picLocks noChangeAspect="1"/>
+          </p:cNvPicPr>
+          <p:nvPr/>
+        </p:nvPicPr>
+        <p:blipFill>
+          <a:blip r:embed="rId6" cstate="print">
+            <a:extLst>
+              <a:ext uri="{28A0092B-C50C-407E-A947-70E740481C1C}">
+                <a14:useLocalDpi xmlns:a14="http://schemas.microsoft.com/office/drawing/2010/main" val="0"/>
+              </a:ext>
+            </a:extLst>
+          </a:blip>
+          <a:stretch>
+            <a:fillRect/>
+          </a:stretch>
+        </p:blipFill>
+        <p:spPr>
+          <a:xfrm>
+            <a:off x="5571870" y="4142443"/>
+            <a:ext cx="755637" cy="365760"/>
+          </a:xfrm>
+          <a:prstGeom prst="rect">
+            <a:avLst/>
+          </a:prstGeom>
+        </p:spPr>
+      </p:pic>
+      <p:pic>
+        <p:nvPicPr>
+          <p:cNvPr id="23" name="Picture 22"/>
+          <p:cNvPicPr>
+            <a:picLocks noChangeAspect="1"/>
+          </p:cNvPicPr>
+          <p:nvPr/>
+        </p:nvPicPr>
+        <p:blipFill>
+          <a:blip r:embed="rId7" cstate="print">
+            <a:extLst>
+              <a:ext uri="{28A0092B-C50C-407E-A947-70E740481C1C}">
+                <a14:useLocalDpi xmlns:a14="http://schemas.microsoft.com/office/drawing/2010/main" val="0"/>
+              </a:ext>
+            </a:extLst>
+          </a:blip>
+          <a:stretch>
+            <a:fillRect/>
+          </a:stretch>
+        </p:blipFill>
+        <p:spPr>
+          <a:xfrm>
+            <a:off x="5536253" y="4681099"/>
+            <a:ext cx="837967" cy="320040"/>
+          </a:xfrm>
+          <a:prstGeom prst="rect">
+            <a:avLst/>
+          </a:prstGeom>
+        </p:spPr>
+      </p:pic>
+      <p:sp>
+        <p:nvSpPr>
+          <p:cNvPr id="60" name="TextBox 59"/>
+          <p:cNvSpPr txBox="1"/>
+          <p:nvPr/>
+        </p:nvSpPr>
+        <p:spPr>
+          <a:xfrm>
+            <a:off x="4806833" y="7426364"/>
+            <a:ext cx="408127" cy="253916"/>
+          </a:xfrm>
+          <a:prstGeom prst="rect">
+            <a:avLst/>
+          </a:prstGeom>
+          <a:noFill/>
+        </p:spPr>
+        <p:txBody>
+          <a:bodyPr wrap="square" rtlCol="0">
+            <a:spAutoFit/>
+          </a:bodyPr>
+          <a:lstStyle/>
+          <a:p>
+            <a:r>
+              <a:rPr lang="en-US" sz="1050" b="1" dirty="0" smtClean="0"/>
+              <a:t>***</a:t>
+            </a:r>
+            <a:endParaRPr lang="en-US" b="1" dirty="0"/>
+          </a:p>
+        </p:txBody>
+      </p:sp>
+      <p:sp>
+        <p:nvSpPr>
+          <p:cNvPr id="61" name="TextBox 60"/>
+          <p:cNvSpPr txBox="1"/>
+          <p:nvPr/>
+        </p:nvSpPr>
+        <p:spPr>
+          <a:xfrm>
+            <a:off x="5339784" y="7422427"/>
+            <a:ext cx="464171" cy="253916"/>
+          </a:xfrm>
+          <a:prstGeom prst="rect">
+            <a:avLst/>
+          </a:prstGeom>
+          <a:noFill/>
+        </p:spPr>
+        <p:txBody>
+          <a:bodyPr wrap="square" rtlCol="0">
+            <a:spAutoFit/>
+          </a:bodyPr>
+          <a:lstStyle/>
+          <a:p>
+            <a:r>
+              <a:rPr lang="en-US" sz="1050" b="1" dirty="0" smtClean="0"/>
+              <a:t>****</a:t>
+            </a:r>
+            <a:endParaRPr lang="en-US" b="1" dirty="0"/>
+          </a:p>
+        </p:txBody>
+      </p:sp>
     </p:spTree>
     <p:extLst>
       <p:ext uri="{BB962C8B-B14F-4D97-AF65-F5344CB8AC3E}">
@@ -10738,7 +10597,7 @@
       </p:grpSpPr>
       <p:pic>
         <p:nvPicPr>
-          <p:cNvPr id="8" name="Picture 7"/>
+          <p:cNvPr id="14" name="Picture 13"/>
           <p:cNvPicPr>
             <a:picLocks noChangeAspect="1"/>
           </p:cNvPicPr>
@@ -10758,7 +10617,7 @@
         </p:blipFill>
         <p:spPr>
           <a:xfrm>
-            <a:off x="764649" y="3285824"/>
+            <a:off x="763883" y="3278528"/>
             <a:ext cx="2560320" cy="2560320"/>
           </a:xfrm>
           <a:prstGeom prst="rect">
@@ -10768,7 +10627,7 @@
       </p:pic>
       <p:pic>
         <p:nvPicPr>
-          <p:cNvPr id="4" name="Picture 3"/>
+          <p:cNvPr id="5" name="Picture 4"/>
           <p:cNvPicPr>
             <a:picLocks noChangeAspect="1"/>
           </p:cNvPicPr>
@@ -10788,7 +10647,7 @@
         </p:blipFill>
         <p:spPr>
           <a:xfrm>
-            <a:off x="3981811" y="782864"/>
+            <a:off x="4024753" y="776825"/>
             <a:ext cx="1920240" cy="2560320"/>
           </a:xfrm>
           <a:prstGeom prst="rect">
@@ -11269,7 +11128,7 @@
         <p:spPr>
           <a:xfrm>
             <a:off x="-5564557" y="681230"/>
-            <a:ext cx="4926563" cy="1200329"/>
+            <a:ext cx="4926563" cy="2031325"/>
           </a:xfrm>
           <a:prstGeom prst="rect">
             <a:avLst/>
@@ -11290,36 +11149,57 @@
           <a:lstStyle/>
           <a:p>
             <a:r>
-              <a:rPr lang="en-US" dirty="0"/>
-              <a:t>0P </a:t>
-            </a:r>
+              <a:rPr lang="en-US" b="1" dirty="0" smtClean="0">
+                <a:latin typeface="Courier New" panose="02070309020205020404" pitchFamily="49" charset="0"/>
+                <a:cs typeface="Courier New" panose="02070309020205020404" pitchFamily="49" charset="0"/>
+              </a:rPr>
+              <a:t>WEDPWADPWPDGWPDLWADV</a:t>
+            </a:r>
+            <a:r>
+              <a:rPr lang="en-US" b="1" dirty="0">
+                <a:latin typeface="Courier New" panose="02070309020205020404" pitchFamily="49" charset="0"/>
+                <a:cs typeface="Courier New" panose="02070309020205020404" pitchFamily="49" charset="0"/>
+              </a:rPr>
+              <a:t>	 </a:t>
+            </a:r>
+            <a:r>
+              <a:rPr lang="en-US" b="1" dirty="0" smtClean="0">
+                <a:latin typeface="Courier New" panose="02070309020205020404" pitchFamily="49" charset="0"/>
+                <a:cs typeface="Courier New" panose="02070309020205020404" pitchFamily="49" charset="0"/>
+              </a:rPr>
+              <a:t> 1.14 slope</a:t>
+            </a:r>
+            <a:endParaRPr lang="en-US" dirty="0" smtClean="0"/>
+          </a:p>
+          <a:p>
+            <a:r>
+              <a:rPr lang="en-US" b="1" dirty="0" smtClean="0">
+                <a:latin typeface="Courier New" panose="02070309020205020404" pitchFamily="49" charset="0"/>
+                <a:cs typeface="Courier New" panose="02070309020205020404" pitchFamily="49" charset="0"/>
+              </a:rPr>
+              <a:t>WNDYWTDSWADYWYDFWYDV -4.26 slope</a:t>
+            </a:r>
+            <a:endParaRPr lang="en-US" dirty="0"/>
+          </a:p>
+          <a:p>
+            <a:r>
+              <a:rPr lang="en-US" b="1" dirty="0" smtClean="0">
+                <a:latin typeface="Courier New" panose="02070309020205020404" pitchFamily="49" charset="0"/>
+                <a:cs typeface="Courier New" panose="02070309020205020404" pitchFamily="49" charset="0"/>
+              </a:rPr>
+              <a:t>WFDSWDDFWCDCWCDCWSDF -4.12 slope</a:t>
+            </a:r>
+          </a:p>
+          <a:p>
+            <a:endParaRPr lang="en-US" dirty="0" smtClean="0"/>
+          </a:p>
+          <a:p>
+            <a:endParaRPr lang="en-US" dirty="0" smtClean="0"/>
+          </a:p>
+          <a:p>
             <a:r>
               <a:rPr lang="en-US" dirty="0" smtClean="0"/>
-              <a:t>– WLDFWLDTWVDTWLDFWLDI 	-1.26</a:t>
-            </a:r>
-            <a:endParaRPr lang="en-US" dirty="0"/>
-          </a:p>
-          <a:p>
-            <a:r>
-              <a:rPr lang="en-US" dirty="0" smtClean="0"/>
-              <a:t>2p – WFDLWPDLWTDPWIDCWLDV		2.00</a:t>
-            </a:r>
-            <a:endParaRPr lang="en-US" dirty="0"/>
-          </a:p>
-          <a:p>
-            <a:r>
-              <a:rPr lang="en-US" dirty="0"/>
-              <a:t>3p </a:t>
-            </a:r>
-            <a:r>
-              <a:rPr lang="en-US" dirty="0" smtClean="0"/>
-              <a:t>– WGDLWPDPWYDWWPDLWRDL 	2.08</a:t>
-            </a:r>
-          </a:p>
-          <a:p>
-            <a:r>
-              <a:rPr lang="en-US" dirty="0" smtClean="0"/>
-              <a:t>5p – WVDPWPDLWLDPWRDIWPDP	1.64</a:t>
+              <a:t>These are updated numbers to reflect in the paper: 107975 total sequences, (19.6% function)</a:t>
             </a:r>
             <a:endParaRPr lang="en-US" dirty="0"/>
           </a:p>
@@ -11387,21 +11267,98 @@
                 <a:latin typeface="Arial" panose="020B0604020202020204" pitchFamily="34" charset="0"/>
                 <a:cs typeface="Arial" panose="020B0604020202020204" pitchFamily="34" charset="0"/>
               </a:rPr>
-              <a:t>in it is beneficial. </a:t>
+              <a:t>in it is beneficial. A </a:t>
+            </a:r>
+            <a:r>
+              <a:rPr lang="en-US" sz="1000" dirty="0" smtClean="0">
+                <a:latin typeface="Arial" panose="020B0604020202020204" pitchFamily="34" charset="0"/>
+                <a:cs typeface="Arial" panose="020B0604020202020204" pitchFamily="34" charset="0"/>
+              </a:rPr>
+              <a:t>– graphical representation of sequences for the WD5 library, each member of which has five </a:t>
+            </a:r>
+            <a:r>
+              <a:rPr lang="en-US" sz="1000" dirty="0" err="1" smtClean="0">
+                <a:latin typeface="Arial" panose="020B0604020202020204" pitchFamily="34" charset="0"/>
+                <a:cs typeface="Arial" panose="020B0604020202020204" pitchFamily="34" charset="0"/>
+              </a:rPr>
+              <a:t>Ws</a:t>
+            </a:r>
+            <a:r>
+              <a:rPr lang="en-US" sz="1000" dirty="0" smtClean="0">
+                <a:latin typeface="Arial" panose="020B0604020202020204" pitchFamily="34" charset="0"/>
+                <a:cs typeface="Arial" panose="020B0604020202020204" pitchFamily="34" charset="0"/>
+              </a:rPr>
+              <a:t>, five Ds, and ten random amino acids between </a:t>
+            </a:r>
+            <a:r>
+              <a:rPr lang="en-US" sz="1000" dirty="0" err="1" smtClean="0">
+                <a:latin typeface="Arial" panose="020B0604020202020204" pitchFamily="34" charset="0"/>
+                <a:cs typeface="Arial" panose="020B0604020202020204" pitchFamily="34" charset="0"/>
+              </a:rPr>
+              <a:t>Ws</a:t>
+            </a:r>
+            <a:r>
+              <a:rPr lang="en-US" sz="1000" dirty="0" smtClean="0">
+                <a:latin typeface="Arial" panose="020B0604020202020204" pitchFamily="34" charset="0"/>
+                <a:cs typeface="Arial" panose="020B0604020202020204" pitchFamily="34" charset="0"/>
+              </a:rPr>
+              <a:t> and Ds represented by black dots/circles.</a:t>
             </a:r>
             <a:r>
               <a:rPr lang="en-US" sz="1000" b="1" dirty="0" smtClean="0">
                 <a:latin typeface="Arial" panose="020B0604020202020204" pitchFamily="34" charset="0"/>
                 <a:cs typeface="Arial" panose="020B0604020202020204" pitchFamily="34" charset="0"/>
               </a:rPr>
-              <a:t>A </a:t>
+              <a:t> B </a:t>
             </a:r>
             <a:r>
               <a:rPr lang="en-US" sz="1000" dirty="0" smtClean="0">
                 <a:latin typeface="Arial" panose="020B0604020202020204" pitchFamily="34" charset="0"/>
                 <a:cs typeface="Arial" panose="020B0604020202020204" pitchFamily="34" charset="0"/>
               </a:rPr>
-              <a:t>– graphical representation of sequences for the WD5 library, each member of which has five </a:t>
+              <a:t>– Y axis: % of functional sequences in the WD5 library. X axis: % of </a:t>
+            </a:r>
+            <a:r>
+              <a:rPr lang="el-GR" sz="1000" dirty="0" smtClean="0">
+                <a:latin typeface="Arial" panose="020B0604020202020204" pitchFamily="34" charset="0"/>
+                <a:cs typeface="Arial" panose="020B0604020202020204" pitchFamily="34" charset="0"/>
+              </a:rPr>
+              <a:t>α</a:t>
+            </a:r>
+            <a:r>
+              <a:rPr lang="en-US" sz="1000" dirty="0" smtClean="0">
+                <a:latin typeface="Arial" panose="020B0604020202020204" pitchFamily="34" charset="0"/>
+                <a:cs typeface="Arial" panose="020B0604020202020204" pitchFamily="34" charset="0"/>
+              </a:rPr>
+              <a:t>-helix predicted by SPOT-1D algorithm for each set of sequences from WD5 library.</a:t>
+            </a:r>
+            <a:r>
+              <a:rPr lang="en-US" sz="1000" b="1" dirty="0" smtClean="0">
+                <a:latin typeface="Arial" panose="020B0604020202020204" pitchFamily="34" charset="0"/>
+                <a:cs typeface="Arial" panose="020B0604020202020204" pitchFamily="34" charset="0"/>
+              </a:rPr>
+              <a:t> C </a:t>
+            </a:r>
+            <a:r>
+              <a:rPr lang="en-US" sz="1000" dirty="0" smtClean="0">
+                <a:latin typeface="Arial" panose="020B0604020202020204" pitchFamily="34" charset="0"/>
+                <a:cs typeface="Arial" panose="020B0604020202020204" pitchFamily="34" charset="0"/>
+              </a:rPr>
+              <a:t>– Y axis: </a:t>
+            </a:r>
+            <a:r>
+              <a:rPr lang="en-US" sz="1000" dirty="0">
+                <a:latin typeface="Arial" panose="020B0604020202020204" pitchFamily="34" charset="0"/>
+                <a:cs typeface="Arial" panose="020B0604020202020204" pitchFamily="34" charset="0"/>
+              </a:rPr>
+              <a:t>% of functional </a:t>
+            </a:r>
+            <a:r>
+              <a:rPr lang="en-US" sz="1000" dirty="0" smtClean="0">
+                <a:latin typeface="Arial" panose="020B0604020202020204" pitchFamily="34" charset="0"/>
+                <a:cs typeface="Arial" panose="020B0604020202020204" pitchFamily="34" charset="0"/>
+              </a:rPr>
+              <a:t>sequences. X axis: count of corresponding amino acid residues between set </a:t>
             </a:r>
             <a:r>
               <a:rPr lang="en-US" sz="1000" dirty="0" err="1" smtClean="0">
@@ -11415,119 +11372,7 @@
                 <a:latin typeface="Arial" panose="020B0604020202020204" pitchFamily="34" charset="0"/>
                 <a:cs typeface="Arial" panose="020B0604020202020204" pitchFamily="34" charset="0"/>
               </a:rPr>
-              <a:t>, five Ds, and ten random amino acids between </a:t>
-            </a:r>
-            <a:r>
-              <a:rPr lang="en-US" sz="1000" dirty="0" err="1" smtClean="0">
-                <a:latin typeface="Arial" panose="020B0604020202020204" pitchFamily="34" charset="0"/>
-                <a:cs typeface="Arial" panose="020B0604020202020204" pitchFamily="34" charset="0"/>
-              </a:rPr>
-              <a:t>Ws</a:t>
-            </a:r>
-            <a:r>
-              <a:rPr lang="en-US" sz="1000" dirty="0" smtClean="0">
-                <a:latin typeface="Arial" panose="020B0604020202020204" pitchFamily="34" charset="0"/>
-                <a:cs typeface="Arial" panose="020B0604020202020204" pitchFamily="34" charset="0"/>
-              </a:rPr>
-              <a:t> and Ds represented by black dots/circles.</a:t>
-            </a:r>
-            <a:r>
-              <a:rPr lang="en-US" sz="1000" b="1" dirty="0" smtClean="0">
-                <a:latin typeface="Arial" panose="020B0604020202020204" pitchFamily="34" charset="0"/>
-                <a:cs typeface="Arial" panose="020B0604020202020204" pitchFamily="34" charset="0"/>
-              </a:rPr>
-              <a:t> B </a:t>
-            </a:r>
-            <a:r>
-              <a:rPr lang="en-US" sz="1000" dirty="0" smtClean="0">
-                <a:latin typeface="Arial" panose="020B0604020202020204" pitchFamily="34" charset="0"/>
-                <a:cs typeface="Arial" panose="020B0604020202020204" pitchFamily="34" charset="0"/>
-              </a:rPr>
-              <a:t>– Y axis: % of functional sequences in the WD5 library. X axis: % of </a:t>
-            </a:r>
-            <a:r>
-              <a:rPr lang="el-GR" sz="1000" dirty="0" smtClean="0">
-                <a:latin typeface="Arial" panose="020B0604020202020204" pitchFamily="34" charset="0"/>
-                <a:cs typeface="Arial" panose="020B0604020202020204" pitchFamily="34" charset="0"/>
-              </a:rPr>
-              <a:t>α</a:t>
-            </a:r>
-            <a:r>
-              <a:rPr lang="en-US" sz="1000" dirty="0" smtClean="0">
-                <a:latin typeface="Arial" panose="020B0604020202020204" pitchFamily="34" charset="0"/>
-                <a:cs typeface="Arial" panose="020B0604020202020204" pitchFamily="34" charset="0"/>
-              </a:rPr>
-              <a:t>-helix predicted by SPOT-1D algorithm for each set of sequences from WD5 library.</a:t>
-            </a:r>
-            <a:r>
-              <a:rPr lang="en-US" sz="1000" b="1" dirty="0" smtClean="0">
-                <a:latin typeface="Arial" panose="020B0604020202020204" pitchFamily="34" charset="0"/>
-                <a:cs typeface="Arial" panose="020B0604020202020204" pitchFamily="34" charset="0"/>
-              </a:rPr>
-              <a:t> C </a:t>
-            </a:r>
-            <a:r>
-              <a:rPr lang="en-US" sz="1000" dirty="0" smtClean="0">
-                <a:latin typeface="Arial" panose="020B0604020202020204" pitchFamily="34" charset="0"/>
-                <a:cs typeface="Arial" panose="020B0604020202020204" pitchFamily="34" charset="0"/>
-              </a:rPr>
-              <a:t>– Y axis: </a:t>
-            </a:r>
-            <a:r>
-              <a:rPr lang="en-US" sz="1000" dirty="0">
-                <a:latin typeface="Arial" panose="020B0604020202020204" pitchFamily="34" charset="0"/>
-                <a:cs typeface="Arial" panose="020B0604020202020204" pitchFamily="34" charset="0"/>
-              </a:rPr>
-              <a:t>% of functional </a:t>
-            </a:r>
-            <a:r>
-              <a:rPr lang="en-US" sz="1000" dirty="0" smtClean="0">
-                <a:latin typeface="Arial" panose="020B0604020202020204" pitchFamily="34" charset="0"/>
-                <a:cs typeface="Arial" panose="020B0604020202020204" pitchFamily="34" charset="0"/>
-              </a:rPr>
-              <a:t>sequences. X axis: count of corresponding amino acid residues between </a:t>
-            </a:r>
-            <a:r>
-              <a:rPr lang="en-US" sz="1000" dirty="0" smtClean="0">
-                <a:latin typeface="Arial" panose="020B0604020202020204" pitchFamily="34" charset="0"/>
-                <a:cs typeface="Arial" panose="020B0604020202020204" pitchFamily="34" charset="0"/>
-              </a:rPr>
-              <a:t>set </a:t>
-            </a:r>
-            <a:r>
-              <a:rPr lang="en-US" sz="1000" dirty="0" err="1" smtClean="0">
-                <a:latin typeface="Arial" panose="020B0604020202020204" pitchFamily="34" charset="0"/>
-                <a:cs typeface="Arial" panose="020B0604020202020204" pitchFamily="34" charset="0"/>
-              </a:rPr>
-              <a:t>Ws</a:t>
-            </a:r>
-            <a:r>
-              <a:rPr lang="en-US" sz="1000" dirty="0" smtClean="0">
-                <a:latin typeface="Arial" panose="020B0604020202020204" pitchFamily="34" charset="0"/>
-                <a:cs typeface="Arial" panose="020B0604020202020204" pitchFamily="34" charset="0"/>
-              </a:rPr>
-              <a:t> </a:t>
-            </a:r>
-            <a:r>
-              <a:rPr lang="en-US" sz="1000" dirty="0" smtClean="0">
-                <a:latin typeface="Arial" panose="020B0604020202020204" pitchFamily="34" charset="0"/>
-                <a:cs typeface="Arial" panose="020B0604020202020204" pitchFamily="34" charset="0"/>
-              </a:rPr>
-              <a:t>and Ds of </a:t>
-            </a:r>
-            <a:r>
-              <a:rPr lang="en-US" sz="1000" dirty="0" smtClean="0">
-                <a:latin typeface="Arial" panose="020B0604020202020204" pitchFamily="34" charset="0"/>
-                <a:cs typeface="Arial" panose="020B0604020202020204" pitchFamily="34" charset="0"/>
-              </a:rPr>
-              <a:t>WD5 </a:t>
-            </a:r>
-            <a:r>
-              <a:rPr lang="en-US" sz="1000" dirty="0" smtClean="0">
-                <a:latin typeface="Arial" panose="020B0604020202020204" pitchFamily="34" charset="0"/>
-                <a:cs typeface="Arial" panose="020B0604020202020204" pitchFamily="34" charset="0"/>
-              </a:rPr>
-              <a:t>library. </a:t>
+              <a:t> and Ds of WD5 library. </a:t>
             </a:r>
             <a:r>
               <a:rPr lang="en-US" sz="1000" b="1" dirty="0" smtClean="0">
@@ -12865,7 +12710,7 @@
         </p:nvSpPr>
         <p:spPr>
           <a:xfrm>
-            <a:off x="4388816" y="6928746"/>
+            <a:off x="4388816" y="6909694"/>
             <a:ext cx="609600" cy="369332"/>
           </a:xfrm>
           <a:prstGeom prst="rect">
@@ -13169,9 +13014,12 @@
 </file>
 
 <file path=customXml/item1.xml><?xml version="1.0" encoding="utf-8"?>
-<p:properties xmlns:p="http://schemas.microsoft.com/office/2006/metadata/properties" xmlns:xsi="http://www.w3.org/2001/XMLSchema-instance" xmlns:pc="http://schemas.microsoft.com/office/infopath/2007/PartnerControls">
-  <documentManagement/>
-</p:properties>
+<?mso-contentType ?>
+<FormTemplates xmlns="http://schemas.microsoft.com/sharepoint/v3/contenttype/forms">
+  <Display>DocumentLibraryForm</Display>
+  <Edit>DocumentLibraryForm</Edit>
+  <New>DocumentLibraryForm</New>
+</FormTemplates>
 </file>
 
 <file path=customXml/item2.xml><?xml version="1.0" encoding="utf-8"?>
@@ -13365,26 +13213,15 @@
 </file>
 
 <file path=customXml/item3.xml><?xml version="1.0" encoding="utf-8"?>
-<?mso-contentType ?>
-<FormTemplates xmlns="http://schemas.microsoft.com/sharepoint/v3/contenttype/forms">
-  <Display>DocumentLibraryForm</Display>
-  <Edit>DocumentLibraryForm</Edit>
-  <New>DocumentLibraryForm</New>
-</FormTemplates>
+<p:properties xmlns:p="http://schemas.microsoft.com/office/2006/metadata/properties" xmlns:xsi="http://www.w3.org/2001/XMLSchema-instance" xmlns:pc="http://schemas.microsoft.com/office/infopath/2007/PartnerControls">
+  <documentManagement/>
+</p:properties>
 </file>
 
 <file path=customXml/itemProps1.xml><?xml version="1.0" encoding="utf-8"?>
-<ds:datastoreItem xmlns:ds="http://schemas.openxmlformats.org/officeDocument/2006/customXml" ds:itemID="{3D41CBE3-FEE9-42BE-BB38-B00C54982EDA}">
+<ds:datastoreItem xmlns:ds="http://schemas.openxmlformats.org/officeDocument/2006/customXml" ds:itemID="{ED39343A-5347-46C9-B331-804F27914E9D}">
   <ds:schemaRefs>
-    <ds:schemaRef ds:uri="http://purl.org/dc/terms/"/>
-    <ds:schemaRef ds:uri="http://schemas.openxmlformats.org/package/2006/metadata/core-properties"/>
-    <ds:schemaRef ds:uri="9d71dc66-2ce2-4fa7-946a-79ef4f85df34"/>
-    <ds:schemaRef ds:uri="http://schemas.microsoft.com/office/2006/documentManagement/types"/>
-    <ds:schemaRef ds:uri="http://schemas.microsoft.com/office/infopath/2007/PartnerControls"/>
-    <ds:schemaRef ds:uri="http://purl.org/dc/elements/1.1/"/>
-    <ds:schemaRef ds:uri="http://schemas.microsoft.com/office/2006/metadata/properties"/>
-    <ds:schemaRef ds:uri="http://www.w3.org/XML/1998/namespace"/>
-    <ds:schemaRef ds:uri="http://purl.org/dc/dcmitype/"/>
+    <ds:schemaRef ds:uri="http://schemas.microsoft.com/sharepoint/v3/contenttype/forms"/>
   </ds:schemaRefs>
 </ds:datastoreItem>
 </file>
@@ -13408,9 +13245,17 @@
 </file>
 
 <file path=customXml/itemProps3.xml><?xml version="1.0" encoding="utf-8"?>
-<ds:datastoreItem xmlns:ds="http://schemas.openxmlformats.org/officeDocument/2006/customXml" ds:itemID="{ED39343A-5347-46C9-B331-804F27914E9D}">
+<ds:datastoreItem xmlns:ds="http://schemas.openxmlformats.org/officeDocument/2006/customXml" ds:itemID="{3D41CBE3-FEE9-42BE-BB38-B00C54982EDA}">
   <ds:schemaRefs>
-    <ds:schemaRef ds:uri="http://schemas.microsoft.com/sharepoint/v3/contenttype/forms"/>
+    <ds:schemaRef ds:uri="http://purl.org/dc/terms/"/>
+    <ds:schemaRef ds:uri="http://schemas.openxmlformats.org/package/2006/metadata/core-properties"/>
+    <ds:schemaRef ds:uri="9d71dc66-2ce2-4fa7-946a-79ef4f85df34"/>
+    <ds:schemaRef ds:uri="http://schemas.microsoft.com/office/2006/documentManagement/types"/>
+    <ds:schemaRef ds:uri="http://schemas.microsoft.com/office/infopath/2007/PartnerControls"/>
+    <ds:schemaRef ds:uri="http://purl.org/dc/elements/1.1/"/>
+    <ds:schemaRef ds:uri="http://schemas.microsoft.com/office/2006/metadata/properties"/>
+    <ds:schemaRef ds:uri="http://www.w3.org/XML/1998/namespace"/>
+    <ds:schemaRef ds:uri="http://purl.org/dc/dcmitype/"/>
   </ds:schemaRefs>
 </ds:datastoreItem>
 </file>